--- a/爸媽我愛您.pptx
+++ b/爸媽我愛您.pptx
@@ -109,6 +109,11 @@
       </a:defRPr>
     </a:lvl9pPr>
   </p:defaultTextStyle>
+  <p:extLst>
+    <p:ext uri="{EFAFB233-063F-42B5-8137-9DF3F51BA10A}">
+      <p15:sldGuideLst xmlns:p15="http://schemas.microsoft.com/office/powerpoint/2012/main"/>
+    </p:ext>
+  </p:extLst>
 </p:presentation>
 </file>
 
@@ -293,7 +298,7 @@
           <a:p>
             <a:fld id="{BD993AFC-1180-4318-B633-A37DB05191E7}" type="datetimeFigureOut">
               <a:rPr lang="vi-VN" smtClean="0"/>
-              <a:t>03/01/2020</a:t>
+              <a:t>01/01/2022</a:t>
             </a:fld>
             <a:endParaRPr lang="vi-VN"/>
           </a:p>
@@ -463,7 +468,7 @@
           <a:p>
             <a:fld id="{BD993AFC-1180-4318-B633-A37DB05191E7}" type="datetimeFigureOut">
               <a:rPr lang="vi-VN" smtClean="0"/>
-              <a:t>03/01/2020</a:t>
+              <a:t>01/01/2022</a:t>
             </a:fld>
             <a:endParaRPr lang="vi-VN"/>
           </a:p>
@@ -643,7 +648,7 @@
           <a:p>
             <a:fld id="{BD993AFC-1180-4318-B633-A37DB05191E7}" type="datetimeFigureOut">
               <a:rPr lang="vi-VN" smtClean="0"/>
-              <a:t>03/01/2020</a:t>
+              <a:t>01/01/2022</a:t>
             </a:fld>
             <a:endParaRPr lang="vi-VN"/>
           </a:p>
@@ -813,7 +818,7 @@
           <a:p>
             <a:fld id="{BD993AFC-1180-4318-B633-A37DB05191E7}" type="datetimeFigureOut">
               <a:rPr lang="vi-VN" smtClean="0"/>
-              <a:t>03/01/2020</a:t>
+              <a:t>01/01/2022</a:t>
             </a:fld>
             <a:endParaRPr lang="vi-VN"/>
           </a:p>
@@ -1059,7 +1064,7 @@
           <a:p>
             <a:fld id="{BD993AFC-1180-4318-B633-A37DB05191E7}" type="datetimeFigureOut">
               <a:rPr lang="vi-VN" smtClean="0"/>
-              <a:t>03/01/2020</a:t>
+              <a:t>01/01/2022</a:t>
             </a:fld>
             <a:endParaRPr lang="vi-VN"/>
           </a:p>
@@ -1347,7 +1352,7 @@
           <a:p>
             <a:fld id="{BD993AFC-1180-4318-B633-A37DB05191E7}" type="datetimeFigureOut">
               <a:rPr lang="vi-VN" smtClean="0"/>
-              <a:t>03/01/2020</a:t>
+              <a:t>01/01/2022</a:t>
             </a:fld>
             <a:endParaRPr lang="vi-VN"/>
           </a:p>
@@ -1769,7 +1774,7 @@
           <a:p>
             <a:fld id="{BD993AFC-1180-4318-B633-A37DB05191E7}" type="datetimeFigureOut">
               <a:rPr lang="vi-VN" smtClean="0"/>
-              <a:t>03/01/2020</a:t>
+              <a:t>01/01/2022</a:t>
             </a:fld>
             <a:endParaRPr lang="vi-VN"/>
           </a:p>
@@ -1887,7 +1892,7 @@
           <a:p>
             <a:fld id="{BD993AFC-1180-4318-B633-A37DB05191E7}" type="datetimeFigureOut">
               <a:rPr lang="vi-VN" smtClean="0"/>
-              <a:t>03/01/2020</a:t>
+              <a:t>01/01/2022</a:t>
             </a:fld>
             <a:endParaRPr lang="vi-VN"/>
           </a:p>
@@ -1982,7 +1987,7 @@
           <a:p>
             <a:fld id="{BD993AFC-1180-4318-B633-A37DB05191E7}" type="datetimeFigureOut">
               <a:rPr lang="vi-VN" smtClean="0"/>
-              <a:t>03/01/2020</a:t>
+              <a:t>01/01/2022</a:t>
             </a:fld>
             <a:endParaRPr lang="vi-VN"/>
           </a:p>
@@ -2259,7 +2264,7 @@
           <a:p>
             <a:fld id="{BD993AFC-1180-4318-B633-A37DB05191E7}" type="datetimeFigureOut">
               <a:rPr lang="vi-VN" smtClean="0"/>
-              <a:t>03/01/2020</a:t>
+              <a:t>01/01/2022</a:t>
             </a:fld>
             <a:endParaRPr lang="vi-VN"/>
           </a:p>
@@ -2516,7 +2521,7 @@
           <a:p>
             <a:fld id="{BD993AFC-1180-4318-B633-A37DB05191E7}" type="datetimeFigureOut">
               <a:rPr lang="vi-VN" smtClean="0"/>
-              <a:t>03/01/2020</a:t>
+              <a:t>01/01/2022</a:t>
             </a:fld>
             <a:endParaRPr lang="vi-VN"/>
           </a:p>
@@ -2734,7 +2739,7 @@
           <a:p>
             <a:fld id="{BD993AFC-1180-4318-B633-A37DB05191E7}" type="datetimeFigureOut">
               <a:rPr lang="vi-VN" smtClean="0"/>
-              <a:t>03/01/2020</a:t>
+              <a:t>01/01/2022</a:t>
             </a:fld>
             <a:endParaRPr lang="vi-VN"/>
           </a:p>
@@ -3501,7 +3506,28 @@
                 <a:latin typeface="Microsoft JhengHei" panose="020B0604030504040204" pitchFamily="34" charset="-120"/>
                 <a:ea typeface="Microsoft JhengHei" panose="020B0604030504040204" pitchFamily="34" charset="-120"/>
               </a:rPr>
-              <a:t>求孩子天天多足夠</a:t>
+              <a:t>求孩子</a:t>
+            </a:r>
+            <a:r>
+              <a:rPr lang="zh-CN" altLang="en-US" sz="5400" b="1" smtClean="0">
+                <a:latin typeface="Microsoft JhengHei" panose="020B0604030504040204" pitchFamily="34" charset="-120"/>
+                <a:ea typeface="Microsoft JhengHei" panose="020B0604030504040204" pitchFamily="34" charset="-120"/>
+              </a:rPr>
+              <a:t>天</a:t>
+            </a:r>
+            <a:r>
+              <a:rPr lang="zh-CN" altLang="en-US" sz="5400" b="1" smtClean="0">
+                <a:latin typeface="Microsoft JhengHei" panose="020B0604030504040204" pitchFamily="34" charset="-120"/>
+                <a:ea typeface="Microsoft JhengHei" panose="020B0604030504040204" pitchFamily="34" charset="-120"/>
+              </a:rPr>
+              <a:t>天都足</a:t>
+            </a:r>
+            <a:r>
+              <a:rPr lang="zh-CN" altLang="en-US" sz="5400" b="1" dirty="0" smtClean="0">
+                <a:latin typeface="Microsoft JhengHei" panose="020B0604030504040204" pitchFamily="34" charset="-120"/>
+                <a:ea typeface="Microsoft JhengHei" panose="020B0604030504040204" pitchFamily="34" charset="-120"/>
+              </a:rPr>
+              <a:t>夠</a:t>
             </a:r>
             <a:endParaRPr lang="en-US" altLang="zh-CN" sz="5400" b="1" dirty="0" smtClean="0">
               <a:latin typeface="Microsoft JhengHei" panose="020B0604030504040204" pitchFamily="34" charset="-120"/>

--- a/爸媽我愛您.pptx
+++ b/爸媽我愛您.pptx
@@ -5,12 +5,15 @@
     <p:sldMasterId id="2147483660" r:id="rId1"/>
   </p:sldMasterIdLst>
   <p:sldIdLst>
-    <p:sldId id="257" r:id="rId2"/>
-    <p:sldId id="258" r:id="rId3"/>
-    <p:sldId id="259" r:id="rId4"/>
-    <p:sldId id="260" r:id="rId5"/>
-    <p:sldId id="261" r:id="rId6"/>
-    <p:sldId id="262" r:id="rId7"/>
+    <p:sldId id="263" r:id="rId2"/>
+    <p:sldId id="264" r:id="rId3"/>
+    <p:sldId id="265" r:id="rId4"/>
+    <p:sldId id="266" r:id="rId5"/>
+    <p:sldId id="267" r:id="rId6"/>
+    <p:sldId id="268" r:id="rId7"/>
+    <p:sldId id="269" r:id="rId8"/>
+    <p:sldId id="270" r:id="rId9"/>
+    <p:sldId id="271" r:id="rId10"/>
   </p:sldIdLst>
   <p:sldSz cx="12192000" cy="6858000"/>
   <p:notesSz cx="6858000" cy="9144000"/>
@@ -298,7 +301,7 @@
           <a:p>
             <a:fld id="{BD993AFC-1180-4318-B633-A37DB05191E7}" type="datetimeFigureOut">
               <a:rPr lang="vi-VN" smtClean="0"/>
-              <a:t>01/01/2022</a:t>
+              <a:t>07/05/2022</a:t>
             </a:fld>
             <a:endParaRPr lang="vi-VN"/>
           </a:p>
@@ -468,7 +471,7 @@
           <a:p>
             <a:fld id="{BD993AFC-1180-4318-B633-A37DB05191E7}" type="datetimeFigureOut">
               <a:rPr lang="vi-VN" smtClean="0"/>
-              <a:t>01/01/2022</a:t>
+              <a:t>07/05/2022</a:t>
             </a:fld>
             <a:endParaRPr lang="vi-VN"/>
           </a:p>
@@ -648,7 +651,7 @@
           <a:p>
             <a:fld id="{BD993AFC-1180-4318-B633-A37DB05191E7}" type="datetimeFigureOut">
               <a:rPr lang="vi-VN" smtClean="0"/>
-              <a:t>01/01/2022</a:t>
+              <a:t>07/05/2022</a:t>
             </a:fld>
             <a:endParaRPr lang="vi-VN"/>
           </a:p>
@@ -818,7 +821,7 @@
           <a:p>
             <a:fld id="{BD993AFC-1180-4318-B633-A37DB05191E7}" type="datetimeFigureOut">
               <a:rPr lang="vi-VN" smtClean="0"/>
-              <a:t>01/01/2022</a:t>
+              <a:t>07/05/2022</a:t>
             </a:fld>
             <a:endParaRPr lang="vi-VN"/>
           </a:p>
@@ -1064,7 +1067,7 @@
           <a:p>
             <a:fld id="{BD993AFC-1180-4318-B633-A37DB05191E7}" type="datetimeFigureOut">
               <a:rPr lang="vi-VN" smtClean="0"/>
-              <a:t>01/01/2022</a:t>
+              <a:t>07/05/2022</a:t>
             </a:fld>
             <a:endParaRPr lang="vi-VN"/>
           </a:p>
@@ -1352,7 +1355,7 @@
           <a:p>
             <a:fld id="{BD993AFC-1180-4318-B633-A37DB05191E7}" type="datetimeFigureOut">
               <a:rPr lang="vi-VN" smtClean="0"/>
-              <a:t>01/01/2022</a:t>
+              <a:t>07/05/2022</a:t>
             </a:fld>
             <a:endParaRPr lang="vi-VN"/>
           </a:p>
@@ -1774,7 +1777,7 @@
           <a:p>
             <a:fld id="{BD993AFC-1180-4318-B633-A37DB05191E7}" type="datetimeFigureOut">
               <a:rPr lang="vi-VN" smtClean="0"/>
-              <a:t>01/01/2022</a:t>
+              <a:t>07/05/2022</a:t>
             </a:fld>
             <a:endParaRPr lang="vi-VN"/>
           </a:p>
@@ -1892,7 +1895,7 @@
           <a:p>
             <a:fld id="{BD993AFC-1180-4318-B633-A37DB05191E7}" type="datetimeFigureOut">
               <a:rPr lang="vi-VN" smtClean="0"/>
-              <a:t>01/01/2022</a:t>
+              <a:t>07/05/2022</a:t>
             </a:fld>
             <a:endParaRPr lang="vi-VN"/>
           </a:p>
@@ -1987,7 +1990,7 @@
           <a:p>
             <a:fld id="{BD993AFC-1180-4318-B633-A37DB05191E7}" type="datetimeFigureOut">
               <a:rPr lang="vi-VN" smtClean="0"/>
-              <a:t>01/01/2022</a:t>
+              <a:t>07/05/2022</a:t>
             </a:fld>
             <a:endParaRPr lang="vi-VN"/>
           </a:p>
@@ -2264,7 +2267,7 @@
           <a:p>
             <a:fld id="{BD993AFC-1180-4318-B633-A37DB05191E7}" type="datetimeFigureOut">
               <a:rPr lang="vi-VN" smtClean="0"/>
-              <a:t>01/01/2022</a:t>
+              <a:t>07/05/2022</a:t>
             </a:fld>
             <a:endParaRPr lang="vi-VN"/>
           </a:p>
@@ -2521,7 +2524,7 @@
           <a:p>
             <a:fld id="{BD993AFC-1180-4318-B633-A37DB05191E7}" type="datetimeFigureOut">
               <a:rPr lang="vi-VN" smtClean="0"/>
-              <a:t>01/01/2022</a:t>
+              <a:t>07/05/2022</a:t>
             </a:fld>
             <a:endParaRPr lang="vi-VN"/>
           </a:p>
@@ -2739,7 +2742,7 @@
           <a:p>
             <a:fld id="{BD993AFC-1180-4318-B633-A37DB05191E7}" type="datetimeFigureOut">
               <a:rPr lang="vi-VN" smtClean="0"/>
-              <a:t>01/01/2022</a:t>
+              <a:t>07/05/2022</a:t>
             </a:fld>
             <a:endParaRPr lang="vi-VN"/>
           </a:p>
@@ -3116,7 +3119,7 @@
       </p:grpSpPr>
       <p:sp>
         <p:nvSpPr>
-          <p:cNvPr id="2" name="Title 1"/>
+          <p:cNvPr id="4" name="標題 3"/>
           <p:cNvSpPr>
             <a:spLocks noGrp="1"/>
           </p:cNvSpPr>
@@ -3124,124 +3127,65 @@
             <p:ph type="title"/>
           </p:nvPr>
         </p:nvSpPr>
-        <p:spPr/>
+        <p:spPr>
+          <a:xfrm>
+            <a:off x="0" y="2660915"/>
+            <a:ext cx="12192000" cy="1143000"/>
+          </a:xfrm>
+        </p:spPr>
         <p:txBody>
           <a:bodyPr>
-            <a:normAutofit/>
+            <a:noAutofit/>
           </a:bodyPr>
           <a:lstStyle/>
           <a:p>
             <a:r>
-              <a:rPr lang="zh-CN" altLang="en-US" sz="4800" b="1" dirty="0">
-                <a:latin typeface="Microsoft JhengHei" panose="020B0604030504040204" pitchFamily="34" charset="-120"/>
-                <a:ea typeface="Microsoft JhengHei" panose="020B0604030504040204" pitchFamily="34" charset="-120"/>
+              <a:rPr lang="zh-CN" altLang="en-US" sz="7200" b="1" i="1" dirty="0">
+                <a:solidFill>
+                  <a:srgbClr val="660033"/>
+                </a:solidFill>
+                <a:effectLst>
+                  <a:outerShdw blurRad="38100" dist="38100" dir="2700000" algn="tl">
+                    <a:srgbClr val="000000">
+                      <a:alpha val="43137"/>
+                    </a:srgbClr>
+                  </a:outerShdw>
+                </a:effectLst>
+                <a:latin typeface="微軟正黑體" pitchFamily="34" charset="-120"/>
+                <a:ea typeface="微軟正黑體" pitchFamily="34" charset="-120"/>
               </a:rPr>
-              <a:t>爸媽我愛您</a:t>
-            </a:r>
-            <a:endParaRPr lang="vi-VN" sz="4800" b="1" dirty="0">
-              <a:ea typeface="Microsoft JhengHei" panose="020B0604030504040204" pitchFamily="34" charset="-120"/>
-            </a:endParaRPr>
-          </a:p>
-        </p:txBody>
-      </p:sp>
-      <p:sp>
-        <p:nvSpPr>
-          <p:cNvPr id="3" name="Content Placeholder 2"/>
-          <p:cNvSpPr>
-            <a:spLocks noGrp="1"/>
-          </p:cNvSpPr>
-          <p:nvPr>
-            <p:ph idx="1"/>
-          </p:nvPr>
-        </p:nvSpPr>
-        <p:spPr/>
-        <p:txBody>
-          <a:bodyPr>
-            <a:normAutofit/>
-          </a:bodyPr>
-          <a:lstStyle/>
-          <a:p>
-            <a:pPr marL="0" indent="0" algn="ctr">
-              <a:buNone/>
-            </a:pPr>
-            <a:r>
-              <a:rPr lang="zh-CN" altLang="en-US" sz="5400" b="1" dirty="0" smtClean="0">
-                <a:latin typeface="Microsoft JhengHei" panose="020B0604030504040204" pitchFamily="34" charset="-120"/>
-                <a:ea typeface="Microsoft JhengHei" panose="020B0604030504040204" pitchFamily="34" charset="-120"/>
+              <a:t>爸</a:t>
+            </a:r>
+            <a:r>
+              <a:rPr lang="zh-CN" altLang="en-US" sz="7200" b="1" i="1" dirty="0">
+                <a:solidFill>
+                  <a:srgbClr val="660033"/>
+                </a:solidFill>
+                <a:effectLst>
+                  <a:outerShdw blurRad="38100" dist="38100" dir="2700000" algn="tl">
+                    <a:srgbClr val="000000">
+                      <a:alpha val="43137"/>
+                    </a:srgbClr>
+                  </a:outerShdw>
+                </a:effectLst>
+                <a:latin typeface="微軟正黑體" pitchFamily="34" charset="-120"/>
+                <a:ea typeface="微軟正黑體" pitchFamily="34" charset="-120"/>
               </a:rPr>
-              <a:t>她的愛心似水長流</a:t>
-            </a:r>
-            <a:endParaRPr lang="en-US" altLang="zh-CN" sz="5400" b="1" dirty="0" smtClean="0">
-              <a:latin typeface="Microsoft JhengHei" panose="020B0604030504040204" pitchFamily="34" charset="-120"/>
-              <a:ea typeface="Microsoft JhengHei" panose="020B0604030504040204" pitchFamily="34" charset="-120"/>
-            </a:endParaRPr>
-          </a:p>
-          <a:p>
-            <a:pPr marL="0" indent="0" algn="ctr">
-              <a:buNone/>
-            </a:pPr>
-            <a:r>
-              <a:rPr lang="zh-CN" altLang="en-US" sz="5400" b="1" dirty="0">
-                <a:latin typeface="Microsoft JhengHei" panose="020B0604030504040204" pitchFamily="34" charset="-120"/>
-                <a:ea typeface="Microsoft JhengHei" panose="020B0604030504040204" pitchFamily="34" charset="-120"/>
-              </a:rPr>
-              <a:t>只求孩</a:t>
-            </a:r>
-            <a:r>
-              <a:rPr lang="zh-CN" altLang="en-US" sz="5400" b="1" dirty="0" smtClean="0">
-                <a:latin typeface="Microsoft JhengHei" panose="020B0604030504040204" pitchFamily="34" charset="-120"/>
-                <a:ea typeface="Microsoft JhengHei" panose="020B0604030504040204" pitchFamily="34" charset="-120"/>
-              </a:rPr>
-              <a:t>子天天樂悠悠</a:t>
-            </a:r>
-            <a:endParaRPr lang="en-US" altLang="zh-CN" sz="5400" b="1" dirty="0" smtClean="0">
-              <a:latin typeface="Microsoft JhengHei" panose="020B0604030504040204" pitchFamily="34" charset="-120"/>
-              <a:ea typeface="Microsoft JhengHei" panose="020B0604030504040204" pitchFamily="34" charset="-120"/>
-            </a:endParaRPr>
-          </a:p>
-          <a:p>
-            <a:pPr marL="0" indent="0" algn="ctr">
-              <a:buNone/>
-            </a:pPr>
-            <a:r>
-              <a:rPr lang="zh-CN" altLang="en-US" sz="5400" b="1" dirty="0">
-                <a:latin typeface="Microsoft JhengHei" panose="020B0604030504040204" pitchFamily="34" charset="-120"/>
-                <a:ea typeface="Microsoft JhengHei" panose="020B0604030504040204" pitchFamily="34" charset="-120"/>
-              </a:rPr>
-              <a:t>給我溫暖挽我</a:t>
-            </a:r>
-            <a:r>
-              <a:rPr lang="zh-CN" altLang="en-US" sz="5400" b="1" dirty="0" smtClean="0">
-                <a:latin typeface="Microsoft JhengHei" panose="020B0604030504040204" pitchFamily="34" charset="-120"/>
-                <a:ea typeface="Microsoft JhengHei" panose="020B0604030504040204" pitchFamily="34" charset="-120"/>
-              </a:rPr>
-              <a:t>手</a:t>
-            </a:r>
-            <a:endParaRPr lang="en-US" altLang="zh-CN" sz="5400" b="1" dirty="0" smtClean="0">
-              <a:latin typeface="Microsoft JhengHei" panose="020B0604030504040204" pitchFamily="34" charset="-120"/>
-              <a:ea typeface="Microsoft JhengHei" panose="020B0604030504040204" pitchFamily="34" charset="-120"/>
-            </a:endParaRPr>
-          </a:p>
-          <a:p>
-            <a:pPr marL="0" indent="0" algn="ctr">
-              <a:buNone/>
-            </a:pPr>
-            <a:r>
-              <a:rPr lang="en-US" sz="5400" b="1" dirty="0" smtClean="0">
-                <a:latin typeface="Microsoft JhengHei" panose="020B0604030504040204" pitchFamily="34" charset="-120"/>
-                <a:ea typeface="Microsoft JhengHei" panose="020B0604030504040204" pitchFamily="34" charset="-120"/>
-              </a:rPr>
-              <a:t>OH </a:t>
-            </a:r>
-            <a:r>
-              <a:rPr lang="zh-CN" altLang="en-US" sz="5400" b="1" dirty="0" smtClean="0">
-                <a:latin typeface="Microsoft JhengHei" panose="020B0604030504040204" pitchFamily="34" charset="-120"/>
-                <a:ea typeface="Microsoft JhengHei" panose="020B0604030504040204" pitchFamily="34" charset="-120"/>
-              </a:rPr>
-              <a:t>媽咪多謝你</a:t>
-            </a:r>
-            <a:endParaRPr lang="vi-VN" sz="5400" b="1" dirty="0">
-              <a:ea typeface="Microsoft JhengHei" panose="020B0604030504040204" pitchFamily="34" charset="-120"/>
+              <a:t>媽我愛您</a:t>
+            </a:r>
+            <a:endParaRPr lang="zh-TW" altLang="en-US" sz="7200" b="1" i="1" dirty="0">
+              <a:solidFill>
+                <a:srgbClr val="660033"/>
+              </a:solidFill>
+              <a:effectLst>
+                <a:outerShdw blurRad="38100" dist="38100" dir="2700000" algn="tl">
+                  <a:srgbClr val="000000">
+                    <a:alpha val="43137"/>
+                  </a:srgbClr>
+                </a:outerShdw>
+              </a:effectLst>
+              <a:latin typeface="微軟正黑體" pitchFamily="34" charset="-120"/>
+              <a:ea typeface="微軟正黑體" pitchFamily="34" charset="-120"/>
             </a:endParaRPr>
           </a:p>
         </p:txBody>
@@ -3249,7 +3193,7 @@
     </p:spTree>
     <p:extLst>
       <p:ext uri="{BB962C8B-B14F-4D97-AF65-F5344CB8AC3E}">
-        <p14:creationId xmlns:p14="http://schemas.microsoft.com/office/powerpoint/2010/main" val="219923092"/>
+        <p14:creationId xmlns:p14="http://schemas.microsoft.com/office/powerpoint/2010/main" val="2014439408"/>
       </p:ext>
     </p:extLst>
   </p:cSld>
@@ -3278,121 +3222,138 @@
       </p:grpSpPr>
       <p:sp>
         <p:nvSpPr>
-          <p:cNvPr id="2" name="Title 1"/>
-          <p:cNvSpPr>
-            <a:spLocks noGrp="1"/>
-          </p:cNvSpPr>
-          <p:nvPr>
-            <p:ph type="title"/>
-          </p:nvPr>
-        </p:nvSpPr>
-        <p:spPr/>
-        <p:txBody>
-          <a:bodyPr>
+          <p:cNvPr id="5" name="內容版面配置區 4"/>
+          <p:cNvSpPr>
+            <a:spLocks noGrp="1"/>
+          </p:cNvSpPr>
+          <p:nvPr>
+            <p:ph idx="1"/>
+          </p:nvPr>
+        </p:nvSpPr>
+        <p:spPr>
+          <a:xfrm>
+            <a:off x="0" y="2084851"/>
+            <a:ext cx="12192000" cy="2404863"/>
+          </a:xfrm>
+        </p:spPr>
+        <p:txBody>
+          <a:bodyPr anchor="ctr">
             <a:normAutofit/>
           </a:bodyPr>
           <a:lstStyle/>
           <a:p>
-            <a:r>
-              <a:rPr lang="zh-CN" altLang="en-US" sz="4800" b="1" dirty="0">
+            <a:pPr marL="0" indent="0" algn="ctr">
+              <a:buNone/>
+            </a:pPr>
+            <a:r>
+              <a:rPr lang="zh-CN" altLang="en-US" sz="6400" b="1" dirty="0">
+                <a:solidFill>
+                  <a:srgbClr val="660033"/>
+                </a:solidFill>
+                <a:latin typeface="微軟正黑體" pitchFamily="34" charset="-120"/>
+                <a:ea typeface="微軟正黑體" pitchFamily="34" charset="-120"/>
+              </a:rPr>
+              <a:t>她</a:t>
+            </a:r>
+            <a:r>
+              <a:rPr lang="zh-CN" altLang="en-US" sz="6400" b="1" dirty="0">
+                <a:solidFill>
+                  <a:srgbClr val="660033"/>
+                </a:solidFill>
+                <a:latin typeface="微軟正黑體" pitchFamily="34" charset="-120"/>
+                <a:ea typeface="微軟正黑體" pitchFamily="34" charset="-120"/>
+              </a:rPr>
+              <a:t>的愛心似水長流</a:t>
+            </a:r>
+            <a:endParaRPr lang="en-US" altLang="zh-CN" sz="6400" b="1" dirty="0">
+              <a:solidFill>
+                <a:srgbClr val="660033"/>
+              </a:solidFill>
+              <a:latin typeface="微軟正黑體" pitchFamily="34" charset="-120"/>
+              <a:ea typeface="微軟正黑體" pitchFamily="34" charset="-120"/>
+            </a:endParaRPr>
+          </a:p>
+          <a:p>
+            <a:pPr marL="0" indent="0" algn="ctr">
+              <a:buNone/>
+            </a:pPr>
+            <a:r>
+              <a:rPr lang="zh-CN" altLang="en-US" sz="6400" b="1" dirty="0">
+                <a:solidFill>
+                  <a:srgbClr val="660033"/>
+                </a:solidFill>
+                <a:latin typeface="微軟正黑體" pitchFamily="34" charset="-120"/>
+                <a:ea typeface="微軟正黑體" pitchFamily="34" charset="-120"/>
+              </a:rPr>
+              <a:t>只求孩子天天樂悠悠</a:t>
+            </a:r>
+            <a:endParaRPr lang="en-US" altLang="zh-CN" sz="6400" b="1" dirty="0">
+              <a:solidFill>
+                <a:srgbClr val="660033"/>
+              </a:solidFill>
+              <a:latin typeface="微軟正黑體" pitchFamily="34" charset="-120"/>
+              <a:ea typeface="微軟正黑體" pitchFamily="34" charset="-120"/>
+            </a:endParaRPr>
+          </a:p>
+        </p:txBody>
+      </p:sp>
+      <p:sp>
+        <p:nvSpPr>
+          <p:cNvPr id="3" name="TextBox 2"/>
+          <p:cNvSpPr txBox="1"/>
+          <p:nvPr/>
+        </p:nvSpPr>
+        <p:spPr>
+          <a:xfrm>
+            <a:off x="0" y="5157192"/>
+            <a:ext cx="12192000" cy="748988"/>
+          </a:xfrm>
+          <a:prstGeom prst="rect">
+            <a:avLst/>
+          </a:prstGeom>
+          <a:noFill/>
+        </p:spPr>
+        <p:txBody>
+          <a:bodyPr wrap="square" rtlCol="0">
+            <a:spAutoFit/>
+          </a:bodyPr>
+          <a:lstStyle/>
+          <a:p>
+            <a:pPr algn="ctr"/>
+            <a:r>
+              <a:rPr lang="en-US" sz="4267" b="1" dirty="0">
+                <a:solidFill>
+                  <a:srgbClr val="660033"/>
+                </a:solidFill>
                 <a:latin typeface="Microsoft JhengHei" panose="020B0604030504040204" pitchFamily="34" charset="-120"/>
                 <a:ea typeface="Microsoft JhengHei" panose="020B0604030504040204" pitchFamily="34" charset="-120"/>
               </a:rPr>
-              <a:t>爸媽我愛您</a:t>
-            </a:r>
-            <a:endParaRPr lang="vi-VN" sz="4800" b="1" dirty="0">
-              <a:ea typeface="Microsoft JhengHei" panose="020B0604030504040204" pitchFamily="34" charset="-120"/>
-            </a:endParaRPr>
-          </a:p>
-        </p:txBody>
-      </p:sp>
-      <p:sp>
-        <p:nvSpPr>
-          <p:cNvPr id="3" name="Content Placeholder 2"/>
-          <p:cNvSpPr>
-            <a:spLocks noGrp="1"/>
-          </p:cNvSpPr>
-          <p:nvPr>
-            <p:ph idx="1"/>
-          </p:nvPr>
-        </p:nvSpPr>
-        <p:spPr/>
-        <p:txBody>
-          <a:bodyPr>
-            <a:normAutofit/>
-          </a:bodyPr>
-          <a:lstStyle/>
-          <a:p>
-            <a:pPr marL="0" indent="0" algn="ctr">
-              <a:buNone/>
-            </a:pPr>
-            <a:r>
-              <a:rPr lang="zh-CN" altLang="en-US" sz="5400" b="1" dirty="0">
+              <a:t>( </a:t>
+            </a:r>
+            <a:r>
+              <a:rPr lang="zh-CN" altLang="en-US" sz="4267" b="1" dirty="0">
+                <a:solidFill>
+                  <a:srgbClr val="660033"/>
+                </a:solidFill>
+                <a:latin typeface="Microsoft JhengHei" panose="020B0604030504040204" pitchFamily="34" charset="-120"/>
                 <a:ea typeface="Microsoft JhengHei" panose="020B0604030504040204" pitchFamily="34" charset="-120"/>
               </a:rPr>
-              <a:t>天天照料我  </a:t>
-            </a:r>
-            <a:endParaRPr lang="en-US" altLang="zh-CN" sz="5400" b="1" dirty="0" smtClean="0">
-              <a:ea typeface="Microsoft JhengHei" panose="020B0604030504040204" pitchFamily="34" charset="-120"/>
-            </a:endParaRPr>
-          </a:p>
-          <a:p>
-            <a:pPr marL="0" indent="0" algn="ctr">
-              <a:buNone/>
-            </a:pPr>
-            <a:r>
-              <a:rPr lang="zh-CN" altLang="en-US" sz="5400" b="1" dirty="0" smtClean="0">
+              <a:t>正</a:t>
+            </a:r>
+            <a:r>
+              <a:rPr lang="en-US" sz="4267" b="1" dirty="0">
+                <a:solidFill>
+                  <a:srgbClr val="660033"/>
+                </a:solidFill>
+                <a:latin typeface="Microsoft JhengHei" panose="020B0604030504040204" pitchFamily="34" charset="-120"/>
                 <a:ea typeface="Microsoft JhengHei" panose="020B0604030504040204" pitchFamily="34" charset="-120"/>
               </a:rPr>
-              <a:t>每</a:t>
-            </a:r>
-            <a:r>
-              <a:rPr lang="zh-CN" altLang="en-US" sz="5400" b="1" dirty="0">
-                <a:ea typeface="Microsoft JhengHei" panose="020B0604030504040204" pitchFamily="34" charset="-120"/>
-              </a:rPr>
-              <a:t>日</a:t>
-            </a:r>
-            <a:r>
-              <a:rPr lang="zh-CN" altLang="en-US" sz="5400" b="1" dirty="0" smtClean="0">
-                <a:ea typeface="Microsoft JhengHei" panose="020B0604030504040204" pitchFamily="34" charset="-120"/>
-              </a:rPr>
-              <a:t>循循地教導我</a:t>
-            </a:r>
-            <a:endParaRPr lang="en-US" altLang="zh-CN" sz="5400" b="1" dirty="0" smtClean="0">
-              <a:ea typeface="Microsoft JhengHei" panose="020B0604030504040204" pitchFamily="34" charset="-120"/>
-            </a:endParaRPr>
-          </a:p>
-          <a:p>
-            <a:pPr marL="0" indent="0" algn="ctr">
-              <a:buNone/>
-            </a:pPr>
-            <a:r>
-              <a:rPr lang="zh-CN" altLang="en-US" sz="5400" b="1" dirty="0">
-                <a:ea typeface="Microsoft JhengHei" panose="020B0604030504040204" pitchFamily="34" charset="-120"/>
-              </a:rPr>
-              <a:t>謝</a:t>
-            </a:r>
-            <a:r>
-              <a:rPr lang="zh-CN" altLang="en-US" sz="5400" b="1" dirty="0" smtClean="0">
-                <a:ea typeface="Microsoft JhengHei" panose="020B0604030504040204" pitchFamily="34" charset="-120"/>
-              </a:rPr>
-              <a:t>謝天父賜給我 </a:t>
-            </a:r>
-            <a:endParaRPr lang="en-US" altLang="zh-CN" sz="5400" b="1" dirty="0" smtClean="0">
-              <a:ea typeface="Microsoft JhengHei" panose="020B0604030504040204" pitchFamily="34" charset="-120"/>
-            </a:endParaRPr>
-          </a:p>
-          <a:p>
-            <a:pPr marL="0" indent="0" algn="ctr">
-              <a:buNone/>
-            </a:pPr>
-            <a:r>
-              <a:rPr lang="zh-CN" altLang="en-US" sz="5400" b="1" dirty="0" smtClean="0">
-                <a:ea typeface="Microsoft JhengHei" panose="020B0604030504040204" pitchFamily="34" charset="-120"/>
-              </a:rPr>
-              <a:t>爸媽無窮盡的愛</a:t>
-            </a:r>
-            <a:endParaRPr lang="vi-VN" sz="5400" b="1" dirty="0">
+              <a:t> 1 )</a:t>
+            </a:r>
+            <a:endParaRPr lang="vi-VN" sz="4267" b="1" dirty="0">
+              <a:solidFill>
+                <a:srgbClr val="660033"/>
+              </a:solidFill>
               <a:ea typeface="Microsoft JhengHei" panose="020B0604030504040204" pitchFamily="34" charset="-120"/>
             </a:endParaRPr>
           </a:p>
@@ -3401,7 +3362,7 @@
     </p:spTree>
     <p:extLst>
       <p:ext uri="{BB962C8B-B14F-4D97-AF65-F5344CB8AC3E}">
-        <p14:creationId xmlns:p14="http://schemas.microsoft.com/office/powerpoint/2010/main" val="415539383"/>
+        <p14:creationId xmlns:p14="http://schemas.microsoft.com/office/powerpoint/2010/main" val="3234568507"/>
       </p:ext>
     </p:extLst>
   </p:cSld>
@@ -3430,159 +3391,138 @@
       </p:grpSpPr>
       <p:sp>
         <p:nvSpPr>
-          <p:cNvPr id="2" name="Title 1"/>
-          <p:cNvSpPr>
-            <a:spLocks noGrp="1"/>
-          </p:cNvSpPr>
-          <p:nvPr>
-            <p:ph type="title"/>
-          </p:nvPr>
-        </p:nvSpPr>
-        <p:spPr/>
-        <p:txBody>
-          <a:bodyPr>
+          <p:cNvPr id="5" name="內容版面配置區 4"/>
+          <p:cNvSpPr>
+            <a:spLocks noGrp="1"/>
+          </p:cNvSpPr>
+          <p:nvPr>
+            <p:ph idx="1"/>
+          </p:nvPr>
+        </p:nvSpPr>
+        <p:spPr>
+          <a:xfrm>
+            <a:off x="0" y="2084851"/>
+            <a:ext cx="12192000" cy="2404863"/>
+          </a:xfrm>
+        </p:spPr>
+        <p:txBody>
+          <a:bodyPr anchor="ctr">
             <a:normAutofit/>
           </a:bodyPr>
           <a:lstStyle/>
           <a:p>
-            <a:r>
-              <a:rPr lang="zh-CN" altLang="en-US" sz="4800" b="1" dirty="0">
+            <a:pPr marL="0" indent="0" algn="ctr">
+              <a:buNone/>
+            </a:pPr>
+            <a:r>
+              <a:rPr lang="zh-CN" altLang="en-US" sz="6400" b="1" dirty="0">
+                <a:solidFill>
+                  <a:srgbClr val="660033"/>
+                </a:solidFill>
+                <a:latin typeface="微軟正黑體" pitchFamily="34" charset="-120"/>
+                <a:ea typeface="微軟正黑體" pitchFamily="34" charset="-120"/>
+              </a:rPr>
+              <a:t>給我溫暖挽我手</a:t>
+            </a:r>
+            <a:endParaRPr lang="en-US" altLang="zh-CN" sz="6400" b="1" dirty="0">
+              <a:solidFill>
+                <a:srgbClr val="660033"/>
+              </a:solidFill>
+              <a:latin typeface="微軟正黑體" pitchFamily="34" charset="-120"/>
+              <a:ea typeface="微軟正黑體" pitchFamily="34" charset="-120"/>
+            </a:endParaRPr>
+          </a:p>
+          <a:p>
+            <a:pPr marL="0" indent="0" algn="ctr">
+              <a:buNone/>
+            </a:pPr>
+            <a:r>
+              <a:rPr lang="en-US" sz="6400" b="1" dirty="0">
+                <a:solidFill>
+                  <a:srgbClr val="660033"/>
+                </a:solidFill>
+                <a:latin typeface="微軟正黑體" pitchFamily="34" charset="-120"/>
+                <a:ea typeface="微軟正黑體" pitchFamily="34" charset="-120"/>
+              </a:rPr>
+              <a:t>OH </a:t>
+            </a:r>
+            <a:r>
+              <a:rPr lang="zh-CN" altLang="en-US" sz="6400" b="1" dirty="0">
+                <a:solidFill>
+                  <a:srgbClr val="660033"/>
+                </a:solidFill>
+                <a:latin typeface="微軟正黑體" pitchFamily="34" charset="-120"/>
+                <a:ea typeface="微軟正黑體" pitchFamily="34" charset="-120"/>
+              </a:rPr>
+              <a:t>媽咪多謝你</a:t>
+            </a:r>
+            <a:endParaRPr lang="vi-VN" sz="6400" b="1" dirty="0">
+              <a:solidFill>
+                <a:srgbClr val="660033"/>
+              </a:solidFill>
+              <a:latin typeface="微軟正黑體" pitchFamily="34" charset="-120"/>
+              <a:ea typeface="微軟正黑體" pitchFamily="34" charset="-120"/>
+            </a:endParaRPr>
+          </a:p>
+        </p:txBody>
+      </p:sp>
+      <p:sp>
+        <p:nvSpPr>
+          <p:cNvPr id="3" name="TextBox 2"/>
+          <p:cNvSpPr txBox="1"/>
+          <p:nvPr/>
+        </p:nvSpPr>
+        <p:spPr>
+          <a:xfrm>
+            <a:off x="0" y="5157192"/>
+            <a:ext cx="12192000" cy="748988"/>
+          </a:xfrm>
+          <a:prstGeom prst="rect">
+            <a:avLst/>
+          </a:prstGeom>
+          <a:noFill/>
+        </p:spPr>
+        <p:txBody>
+          <a:bodyPr wrap="square" rtlCol="0">
+            <a:spAutoFit/>
+          </a:bodyPr>
+          <a:lstStyle/>
+          <a:p>
+            <a:pPr algn="ctr"/>
+            <a:r>
+              <a:rPr lang="en-US" sz="4267" b="1" dirty="0">
+                <a:solidFill>
+                  <a:srgbClr val="660033"/>
+                </a:solidFill>
                 <a:latin typeface="Microsoft JhengHei" panose="020B0604030504040204" pitchFamily="34" charset="-120"/>
                 <a:ea typeface="Microsoft JhengHei" panose="020B0604030504040204" pitchFamily="34" charset="-120"/>
               </a:rPr>
-              <a:t>爸媽我愛您</a:t>
-            </a:r>
-            <a:endParaRPr lang="vi-VN" sz="4800" b="1" dirty="0">
-              <a:ea typeface="Microsoft JhengHei" panose="020B0604030504040204" pitchFamily="34" charset="-120"/>
-            </a:endParaRPr>
-          </a:p>
-        </p:txBody>
-      </p:sp>
-      <p:sp>
-        <p:nvSpPr>
-          <p:cNvPr id="3" name="Content Placeholder 2"/>
-          <p:cNvSpPr>
-            <a:spLocks noGrp="1"/>
-          </p:cNvSpPr>
-          <p:nvPr>
-            <p:ph idx="1"/>
-          </p:nvPr>
-        </p:nvSpPr>
-        <p:spPr/>
-        <p:txBody>
-          <a:bodyPr>
-            <a:normAutofit/>
-          </a:bodyPr>
-          <a:lstStyle/>
-          <a:p>
-            <a:pPr marL="0" indent="0" algn="ctr">
-              <a:buNone/>
-            </a:pPr>
-            <a:r>
-              <a:rPr lang="zh-CN" altLang="en-US" sz="5400" b="1" dirty="0" smtClean="0">
+              <a:t>( </a:t>
+            </a:r>
+            <a:r>
+              <a:rPr lang="zh-CN" altLang="en-US" sz="4267" b="1" dirty="0">
+                <a:solidFill>
+                  <a:srgbClr val="660033"/>
+                </a:solidFill>
                 <a:latin typeface="Microsoft JhengHei" panose="020B0604030504040204" pitchFamily="34" charset="-120"/>
                 <a:ea typeface="Microsoft JhengHei" panose="020B0604030504040204" pitchFamily="34" charset="-120"/>
               </a:rPr>
-              <a:t>他工作不會多停留</a:t>
-            </a:r>
-            <a:endParaRPr lang="en-US" altLang="zh-CN" sz="5400" b="1" dirty="0" smtClean="0">
-              <a:latin typeface="Microsoft JhengHei" panose="020B0604030504040204" pitchFamily="34" charset="-120"/>
-              <a:ea typeface="Microsoft JhengHei" panose="020B0604030504040204" pitchFamily="34" charset="-120"/>
-            </a:endParaRPr>
-          </a:p>
-          <a:p>
-            <a:pPr marL="0" indent="0" algn="ctr">
-              <a:buNone/>
-            </a:pPr>
-            <a:r>
-              <a:rPr lang="zh-CN" altLang="en-US" sz="5400" b="1" dirty="0">
+              <a:t>正</a:t>
+            </a:r>
+            <a:r>
+              <a:rPr lang="en-US" sz="4267" b="1" dirty="0">
+                <a:solidFill>
+                  <a:srgbClr val="660033"/>
+                </a:solidFill>
                 <a:latin typeface="Microsoft JhengHei" panose="020B0604030504040204" pitchFamily="34" charset="-120"/>
                 <a:ea typeface="Microsoft JhengHei" panose="020B0604030504040204" pitchFamily="34" charset="-120"/>
               </a:rPr>
-              <a:t>只</a:t>
-            </a:r>
-            <a:r>
-              <a:rPr lang="zh-CN" altLang="en-US" sz="5400" b="1" dirty="0" smtClean="0">
-                <a:latin typeface="Microsoft JhengHei" panose="020B0604030504040204" pitchFamily="34" charset="-120"/>
-                <a:ea typeface="Microsoft JhengHei" panose="020B0604030504040204" pitchFamily="34" charset="-120"/>
-              </a:rPr>
-              <a:t>求孩子</a:t>
-            </a:r>
-            <a:r>
-              <a:rPr lang="zh-CN" altLang="en-US" sz="5400" b="1" smtClean="0">
-                <a:latin typeface="Microsoft JhengHei" panose="020B0604030504040204" pitchFamily="34" charset="-120"/>
-                <a:ea typeface="Microsoft JhengHei" panose="020B0604030504040204" pitchFamily="34" charset="-120"/>
-              </a:rPr>
-              <a:t>天</a:t>
-            </a:r>
-            <a:r>
-              <a:rPr lang="zh-CN" altLang="en-US" sz="5400" b="1" smtClean="0">
-                <a:latin typeface="Microsoft JhengHei" panose="020B0604030504040204" pitchFamily="34" charset="-120"/>
-                <a:ea typeface="Microsoft JhengHei" panose="020B0604030504040204" pitchFamily="34" charset="-120"/>
-              </a:rPr>
-              <a:t>天都足</a:t>
-            </a:r>
-            <a:r>
-              <a:rPr lang="zh-CN" altLang="en-US" sz="5400" b="1" dirty="0" smtClean="0">
-                <a:latin typeface="Microsoft JhengHei" panose="020B0604030504040204" pitchFamily="34" charset="-120"/>
-                <a:ea typeface="Microsoft JhengHei" panose="020B0604030504040204" pitchFamily="34" charset="-120"/>
-              </a:rPr>
-              <a:t>夠</a:t>
-            </a:r>
-            <a:endParaRPr lang="en-US" altLang="zh-CN" sz="5400" b="1" dirty="0" smtClean="0">
-              <a:latin typeface="Microsoft JhengHei" panose="020B0604030504040204" pitchFamily="34" charset="-120"/>
-              <a:ea typeface="Microsoft JhengHei" panose="020B0604030504040204" pitchFamily="34" charset="-120"/>
-            </a:endParaRPr>
-          </a:p>
-          <a:p>
-            <a:pPr marL="0" indent="0" algn="ctr">
-              <a:buNone/>
-            </a:pPr>
-            <a:r>
-              <a:rPr lang="zh-CN" altLang="en-US" sz="5400" b="1" dirty="0">
-                <a:latin typeface="Microsoft JhengHei" panose="020B0604030504040204" pitchFamily="34" charset="-120"/>
-                <a:ea typeface="Microsoft JhengHei" panose="020B0604030504040204" pitchFamily="34" charset="-120"/>
-              </a:rPr>
-              <a:t>給</a:t>
-            </a:r>
-            <a:r>
-              <a:rPr lang="zh-CN" altLang="en-US" sz="5400" b="1" dirty="0" smtClean="0">
-                <a:latin typeface="Microsoft JhengHei" panose="020B0604030504040204" pitchFamily="34" charset="-120"/>
-                <a:ea typeface="Microsoft JhengHei" panose="020B0604030504040204" pitchFamily="34" charset="-120"/>
-              </a:rPr>
-              <a:t>我飽暖無擔憂</a:t>
-            </a:r>
-            <a:endParaRPr lang="en-US" altLang="zh-CN" sz="5400" b="1" dirty="0" smtClean="0">
-              <a:latin typeface="Microsoft JhengHei" panose="020B0604030504040204" pitchFamily="34" charset="-120"/>
-              <a:ea typeface="Microsoft JhengHei" panose="020B0604030504040204" pitchFamily="34" charset="-120"/>
-            </a:endParaRPr>
-          </a:p>
-          <a:p>
-            <a:pPr marL="0" indent="0" algn="ctr">
-              <a:buNone/>
-            </a:pPr>
-            <a:r>
-              <a:rPr lang="en-US" sz="5400" b="1" dirty="0" smtClean="0">
-                <a:latin typeface="Microsoft JhengHei" panose="020B0604030504040204" pitchFamily="34" charset="-120"/>
-                <a:ea typeface="Microsoft JhengHei" panose="020B0604030504040204" pitchFamily="34" charset="-120"/>
-              </a:rPr>
-              <a:t>OH </a:t>
-            </a:r>
-            <a:r>
-              <a:rPr lang="zh-CN" altLang="en-US" sz="5400" b="1" dirty="0">
-                <a:latin typeface="Microsoft JhengHei" panose="020B0604030504040204" pitchFamily="34" charset="-120"/>
-                <a:ea typeface="Microsoft JhengHei" panose="020B0604030504040204" pitchFamily="34" charset="-120"/>
-              </a:rPr>
-              <a:t>嗲</a:t>
-            </a:r>
-            <a:r>
-              <a:rPr lang="zh-CN" altLang="en-US" sz="5400" b="1" dirty="0" smtClean="0">
-                <a:latin typeface="Microsoft JhengHei" panose="020B0604030504040204" pitchFamily="34" charset="-120"/>
-                <a:ea typeface="Microsoft JhengHei" panose="020B0604030504040204" pitchFamily="34" charset="-120"/>
-              </a:rPr>
-              <a:t>地多謝你</a:t>
-            </a:r>
-            <a:endParaRPr lang="vi-VN" sz="5400" b="1" dirty="0">
+              <a:t> 1 )</a:t>
+            </a:r>
+            <a:endParaRPr lang="vi-VN" sz="4267" b="1" dirty="0">
+              <a:solidFill>
+                <a:srgbClr val="660033"/>
+              </a:solidFill>
               <a:ea typeface="Microsoft JhengHei" panose="020B0604030504040204" pitchFamily="34" charset="-120"/>
             </a:endParaRPr>
           </a:p>
@@ -3591,7 +3531,7 @@
     </p:spTree>
     <p:extLst>
       <p:ext uri="{BB962C8B-B14F-4D97-AF65-F5344CB8AC3E}">
-        <p14:creationId xmlns:p14="http://schemas.microsoft.com/office/powerpoint/2010/main" val="3127472612"/>
+        <p14:creationId xmlns:p14="http://schemas.microsoft.com/office/powerpoint/2010/main" val="3991528778"/>
       </p:ext>
     </p:extLst>
   </p:cSld>
@@ -3620,121 +3560,128 @@
       </p:grpSpPr>
       <p:sp>
         <p:nvSpPr>
-          <p:cNvPr id="2" name="Title 1"/>
-          <p:cNvSpPr>
-            <a:spLocks noGrp="1"/>
-          </p:cNvSpPr>
-          <p:nvPr>
-            <p:ph type="title"/>
-          </p:nvPr>
-        </p:nvSpPr>
-        <p:spPr/>
-        <p:txBody>
-          <a:bodyPr>
+          <p:cNvPr id="5" name="內容版面配置區 4"/>
+          <p:cNvSpPr>
+            <a:spLocks noGrp="1"/>
+          </p:cNvSpPr>
+          <p:nvPr>
+            <p:ph idx="1"/>
+          </p:nvPr>
+        </p:nvSpPr>
+        <p:spPr>
+          <a:xfrm>
+            <a:off x="0" y="2084851"/>
+            <a:ext cx="12192000" cy="2404863"/>
+          </a:xfrm>
+        </p:spPr>
+        <p:txBody>
+          <a:bodyPr anchor="ctr">
             <a:normAutofit/>
           </a:bodyPr>
           <a:lstStyle/>
           <a:p>
-            <a:r>
-              <a:rPr lang="zh-CN" altLang="en-US" sz="4800" b="1" dirty="0">
+            <a:pPr marL="0" indent="0" algn="ctr">
+              <a:buNone/>
+            </a:pPr>
+            <a:r>
+              <a:rPr lang="zh-CN" altLang="en-US" sz="6400" b="1" dirty="0">
+                <a:solidFill>
+                  <a:srgbClr val="660033"/>
+                </a:solidFill>
+                <a:latin typeface="微軟正黑體" pitchFamily="34" charset="-120"/>
+                <a:ea typeface="微軟正黑體" pitchFamily="34" charset="-120"/>
+              </a:rPr>
+              <a:t>他工作不會多停留</a:t>
+            </a:r>
+            <a:endParaRPr lang="en-US" altLang="zh-CN" sz="6400" b="1" dirty="0">
+              <a:solidFill>
+                <a:srgbClr val="660033"/>
+              </a:solidFill>
+              <a:latin typeface="微軟正黑體" pitchFamily="34" charset="-120"/>
+              <a:ea typeface="微軟正黑體" pitchFamily="34" charset="-120"/>
+            </a:endParaRPr>
+          </a:p>
+          <a:p>
+            <a:pPr marL="0" indent="0" algn="ctr">
+              <a:buNone/>
+            </a:pPr>
+            <a:r>
+              <a:rPr lang="zh-CN" altLang="en-US" sz="6400" b="1" dirty="0">
+                <a:solidFill>
+                  <a:srgbClr val="660033"/>
+                </a:solidFill>
+                <a:latin typeface="微軟正黑體" pitchFamily="34" charset="-120"/>
+                <a:ea typeface="微軟正黑體" pitchFamily="34" charset="-120"/>
+              </a:rPr>
+              <a:t>只求孩子天天都足夠</a:t>
+            </a:r>
+            <a:endParaRPr lang="en-US" altLang="zh-CN" sz="6400" b="1" dirty="0">
+              <a:solidFill>
+                <a:srgbClr val="660033"/>
+              </a:solidFill>
+              <a:latin typeface="微軟正黑體" pitchFamily="34" charset="-120"/>
+              <a:ea typeface="微軟正黑體" pitchFamily="34" charset="-120"/>
+            </a:endParaRPr>
+          </a:p>
+        </p:txBody>
+      </p:sp>
+      <p:sp>
+        <p:nvSpPr>
+          <p:cNvPr id="3" name="TextBox 2"/>
+          <p:cNvSpPr txBox="1"/>
+          <p:nvPr/>
+        </p:nvSpPr>
+        <p:spPr>
+          <a:xfrm>
+            <a:off x="0" y="5157192"/>
+            <a:ext cx="12192000" cy="748988"/>
+          </a:xfrm>
+          <a:prstGeom prst="rect">
+            <a:avLst/>
+          </a:prstGeom>
+          <a:noFill/>
+        </p:spPr>
+        <p:txBody>
+          <a:bodyPr wrap="square" rtlCol="0">
+            <a:spAutoFit/>
+          </a:bodyPr>
+          <a:lstStyle/>
+          <a:p>
+            <a:pPr algn="ctr"/>
+            <a:r>
+              <a:rPr lang="en-US" sz="4267" b="1" dirty="0">
+                <a:solidFill>
+                  <a:srgbClr val="660033"/>
+                </a:solidFill>
                 <a:latin typeface="Microsoft JhengHei" panose="020B0604030504040204" pitchFamily="34" charset="-120"/>
                 <a:ea typeface="Microsoft JhengHei" panose="020B0604030504040204" pitchFamily="34" charset="-120"/>
               </a:rPr>
-              <a:t>爸媽我愛您</a:t>
-            </a:r>
-            <a:endParaRPr lang="vi-VN" sz="4800" b="1" dirty="0">
-              <a:ea typeface="Microsoft JhengHei" panose="020B0604030504040204" pitchFamily="34" charset="-120"/>
-            </a:endParaRPr>
-          </a:p>
-        </p:txBody>
-      </p:sp>
-      <p:sp>
-        <p:nvSpPr>
-          <p:cNvPr id="3" name="Content Placeholder 2"/>
-          <p:cNvSpPr>
-            <a:spLocks noGrp="1"/>
-          </p:cNvSpPr>
-          <p:nvPr>
-            <p:ph idx="1"/>
-          </p:nvPr>
-        </p:nvSpPr>
-        <p:spPr/>
-        <p:txBody>
-          <a:bodyPr>
-            <a:normAutofit/>
-          </a:bodyPr>
-          <a:lstStyle/>
-          <a:p>
-            <a:pPr marL="0" indent="0" algn="ctr">
-              <a:buNone/>
-            </a:pPr>
-            <a:r>
-              <a:rPr lang="zh-CN" altLang="en-US" sz="5400" b="1" dirty="0">
+              <a:t>( </a:t>
+            </a:r>
+            <a:r>
+              <a:rPr lang="zh-CN" altLang="en-US" sz="4267" b="1" dirty="0">
+                <a:solidFill>
+                  <a:srgbClr val="660033"/>
+                </a:solidFill>
+                <a:latin typeface="Microsoft JhengHei" panose="020B0604030504040204" pitchFamily="34" charset="-120"/>
                 <a:ea typeface="Microsoft JhengHei" panose="020B0604030504040204" pitchFamily="34" charset="-120"/>
               </a:rPr>
-              <a:t>天天照料我  </a:t>
-            </a:r>
-            <a:endParaRPr lang="en-US" altLang="zh-CN" sz="5400" b="1" dirty="0" smtClean="0">
-              <a:ea typeface="Microsoft JhengHei" panose="020B0604030504040204" pitchFamily="34" charset="-120"/>
-            </a:endParaRPr>
-          </a:p>
-          <a:p>
-            <a:pPr marL="0" indent="0" algn="ctr">
-              <a:buNone/>
-            </a:pPr>
-            <a:r>
-              <a:rPr lang="zh-CN" altLang="en-US" sz="5400" b="1" dirty="0" smtClean="0">
+              <a:t>正</a:t>
+            </a:r>
+            <a:r>
+              <a:rPr lang="en-US" sz="4267" b="1" dirty="0">
+                <a:solidFill>
+                  <a:srgbClr val="660033"/>
+                </a:solidFill>
+                <a:latin typeface="Microsoft JhengHei" panose="020B0604030504040204" pitchFamily="34" charset="-120"/>
                 <a:ea typeface="Microsoft JhengHei" panose="020B0604030504040204" pitchFamily="34" charset="-120"/>
               </a:rPr>
-              <a:t>每</a:t>
-            </a:r>
-            <a:r>
-              <a:rPr lang="zh-CN" altLang="en-US" sz="5400" b="1" dirty="0">
-                <a:ea typeface="Microsoft JhengHei" panose="020B0604030504040204" pitchFamily="34" charset="-120"/>
-              </a:rPr>
-              <a:t>日</a:t>
-            </a:r>
-            <a:r>
-              <a:rPr lang="zh-CN" altLang="en-US" sz="5400" b="1" dirty="0" smtClean="0">
-                <a:ea typeface="Microsoft JhengHei" panose="020B0604030504040204" pitchFamily="34" charset="-120"/>
-              </a:rPr>
-              <a:t>循循地教導我</a:t>
-            </a:r>
-            <a:endParaRPr lang="en-US" altLang="zh-CN" sz="5400" b="1" dirty="0" smtClean="0">
-              <a:ea typeface="Microsoft JhengHei" panose="020B0604030504040204" pitchFamily="34" charset="-120"/>
-            </a:endParaRPr>
-          </a:p>
-          <a:p>
-            <a:pPr marL="0" indent="0" algn="ctr">
-              <a:buNone/>
-            </a:pPr>
-            <a:r>
-              <a:rPr lang="zh-CN" altLang="en-US" sz="5400" b="1" dirty="0">
-                <a:ea typeface="Microsoft JhengHei" panose="020B0604030504040204" pitchFamily="34" charset="-120"/>
-              </a:rPr>
-              <a:t>謝</a:t>
-            </a:r>
-            <a:r>
-              <a:rPr lang="zh-CN" altLang="en-US" sz="5400" b="1" dirty="0" smtClean="0">
-                <a:ea typeface="Microsoft JhengHei" panose="020B0604030504040204" pitchFamily="34" charset="-120"/>
-              </a:rPr>
-              <a:t>謝天父賜給我 </a:t>
-            </a:r>
-            <a:endParaRPr lang="en-US" altLang="zh-CN" sz="5400" b="1" dirty="0" smtClean="0">
-              <a:ea typeface="Microsoft JhengHei" panose="020B0604030504040204" pitchFamily="34" charset="-120"/>
-            </a:endParaRPr>
-          </a:p>
-          <a:p>
-            <a:pPr marL="0" indent="0" algn="ctr">
-              <a:buNone/>
-            </a:pPr>
-            <a:r>
-              <a:rPr lang="zh-CN" altLang="en-US" sz="5400" b="1" dirty="0" smtClean="0">
-                <a:ea typeface="Microsoft JhengHei" panose="020B0604030504040204" pitchFamily="34" charset="-120"/>
-              </a:rPr>
-              <a:t>爸媽無窮盡的愛</a:t>
-            </a:r>
-            <a:endParaRPr lang="vi-VN" sz="5400" b="1" dirty="0">
+              <a:t> 2 )</a:t>
+            </a:r>
+            <a:endParaRPr lang="vi-VN" sz="4267" b="1" dirty="0">
+              <a:solidFill>
+                <a:srgbClr val="660033"/>
+              </a:solidFill>
               <a:ea typeface="Microsoft JhengHei" panose="020B0604030504040204" pitchFamily="34" charset="-120"/>
             </a:endParaRPr>
           </a:p>
@@ -3743,7 +3690,7 @@
     </p:spTree>
     <p:extLst>
       <p:ext uri="{BB962C8B-B14F-4D97-AF65-F5344CB8AC3E}">
-        <p14:creationId xmlns:p14="http://schemas.microsoft.com/office/powerpoint/2010/main" val="1175010708"/>
+        <p14:creationId xmlns:p14="http://schemas.microsoft.com/office/powerpoint/2010/main" val="2456593444"/>
       </p:ext>
     </p:extLst>
   </p:cSld>
@@ -3772,159 +3719,138 @@
       </p:grpSpPr>
       <p:sp>
         <p:nvSpPr>
-          <p:cNvPr id="2" name="Title 1"/>
-          <p:cNvSpPr>
-            <a:spLocks noGrp="1"/>
-          </p:cNvSpPr>
-          <p:nvPr>
-            <p:ph type="title"/>
-          </p:nvPr>
-        </p:nvSpPr>
-        <p:spPr/>
-        <p:txBody>
-          <a:bodyPr>
+          <p:cNvPr id="5" name="內容版面配置區 4"/>
+          <p:cNvSpPr>
+            <a:spLocks noGrp="1"/>
+          </p:cNvSpPr>
+          <p:nvPr>
+            <p:ph idx="1"/>
+          </p:nvPr>
+        </p:nvSpPr>
+        <p:spPr>
+          <a:xfrm>
+            <a:off x="0" y="2084851"/>
+            <a:ext cx="12192000" cy="2404863"/>
+          </a:xfrm>
+        </p:spPr>
+        <p:txBody>
+          <a:bodyPr anchor="ctr">
             <a:normAutofit/>
           </a:bodyPr>
           <a:lstStyle/>
           <a:p>
-            <a:r>
-              <a:rPr lang="zh-CN" altLang="en-US" sz="4800" b="1" dirty="0">
+            <a:pPr marL="0" indent="0" algn="ctr">
+              <a:buNone/>
+            </a:pPr>
+            <a:r>
+              <a:rPr lang="zh-CN" altLang="en-US" sz="6400" b="1" dirty="0">
+                <a:solidFill>
+                  <a:srgbClr val="660033"/>
+                </a:solidFill>
+                <a:latin typeface="微軟正黑體" pitchFamily="34" charset="-120"/>
+                <a:ea typeface="微軟正黑體" pitchFamily="34" charset="-120"/>
+              </a:rPr>
+              <a:t>給我飽暖無擔憂</a:t>
+            </a:r>
+            <a:endParaRPr lang="en-US" altLang="zh-CN" sz="6400" b="1" dirty="0">
+              <a:solidFill>
+                <a:srgbClr val="660033"/>
+              </a:solidFill>
+              <a:latin typeface="微軟正黑體" pitchFamily="34" charset="-120"/>
+              <a:ea typeface="微軟正黑體" pitchFamily="34" charset="-120"/>
+            </a:endParaRPr>
+          </a:p>
+          <a:p>
+            <a:pPr marL="0" indent="0" algn="ctr">
+              <a:buNone/>
+            </a:pPr>
+            <a:r>
+              <a:rPr lang="en-US" sz="6400" b="1" dirty="0">
+                <a:solidFill>
+                  <a:srgbClr val="660033"/>
+                </a:solidFill>
+                <a:latin typeface="微軟正黑體" pitchFamily="34" charset="-120"/>
+                <a:ea typeface="微軟正黑體" pitchFamily="34" charset="-120"/>
+              </a:rPr>
+              <a:t>OH </a:t>
+            </a:r>
+            <a:r>
+              <a:rPr lang="zh-CN" altLang="en-US" sz="6400" b="1" dirty="0">
+                <a:solidFill>
+                  <a:srgbClr val="660033"/>
+                </a:solidFill>
+                <a:latin typeface="微軟正黑體" pitchFamily="34" charset="-120"/>
+                <a:ea typeface="微軟正黑體" pitchFamily="34" charset="-120"/>
+              </a:rPr>
+              <a:t>嗲地多謝你</a:t>
+            </a:r>
+            <a:endParaRPr lang="vi-VN" sz="6400" b="1" dirty="0">
+              <a:solidFill>
+                <a:srgbClr val="660033"/>
+              </a:solidFill>
+              <a:latin typeface="微軟正黑體" pitchFamily="34" charset="-120"/>
+              <a:ea typeface="微軟正黑體" pitchFamily="34" charset="-120"/>
+            </a:endParaRPr>
+          </a:p>
+        </p:txBody>
+      </p:sp>
+      <p:sp>
+        <p:nvSpPr>
+          <p:cNvPr id="3" name="TextBox 2"/>
+          <p:cNvSpPr txBox="1"/>
+          <p:nvPr/>
+        </p:nvSpPr>
+        <p:spPr>
+          <a:xfrm>
+            <a:off x="0" y="5157192"/>
+            <a:ext cx="12192000" cy="748988"/>
+          </a:xfrm>
+          <a:prstGeom prst="rect">
+            <a:avLst/>
+          </a:prstGeom>
+          <a:noFill/>
+        </p:spPr>
+        <p:txBody>
+          <a:bodyPr wrap="square" rtlCol="0">
+            <a:spAutoFit/>
+          </a:bodyPr>
+          <a:lstStyle/>
+          <a:p>
+            <a:pPr algn="ctr"/>
+            <a:r>
+              <a:rPr lang="en-US" sz="4267" b="1" dirty="0">
+                <a:solidFill>
+                  <a:srgbClr val="660033"/>
+                </a:solidFill>
                 <a:latin typeface="Microsoft JhengHei" panose="020B0604030504040204" pitchFamily="34" charset="-120"/>
                 <a:ea typeface="Microsoft JhengHei" panose="020B0604030504040204" pitchFamily="34" charset="-120"/>
               </a:rPr>
-              <a:t>爸媽我愛您</a:t>
-            </a:r>
-            <a:endParaRPr lang="vi-VN" sz="4800" b="1" dirty="0">
-              <a:ea typeface="Microsoft JhengHei" panose="020B0604030504040204" pitchFamily="34" charset="-120"/>
-            </a:endParaRPr>
-          </a:p>
-        </p:txBody>
-      </p:sp>
-      <p:sp>
-        <p:nvSpPr>
-          <p:cNvPr id="3" name="Content Placeholder 2"/>
-          <p:cNvSpPr>
-            <a:spLocks noGrp="1"/>
-          </p:cNvSpPr>
-          <p:nvPr>
-            <p:ph idx="1"/>
-          </p:nvPr>
-        </p:nvSpPr>
-        <p:spPr/>
-        <p:txBody>
-          <a:bodyPr>
-            <a:normAutofit/>
-          </a:bodyPr>
-          <a:lstStyle/>
-          <a:p>
-            <a:pPr marL="0" indent="0" algn="ctr">
-              <a:buNone/>
-            </a:pPr>
-            <a:r>
-              <a:rPr lang="zh-CN" altLang="en-US" sz="5400" b="1" dirty="0">
+              <a:t>( </a:t>
+            </a:r>
+            <a:r>
+              <a:rPr lang="zh-CN" altLang="en-US" sz="4267" b="1" dirty="0">
+                <a:solidFill>
+                  <a:srgbClr val="660033"/>
+                </a:solidFill>
                 <a:latin typeface="Microsoft JhengHei" panose="020B0604030504040204" pitchFamily="34" charset="-120"/>
                 <a:ea typeface="Microsoft JhengHei" panose="020B0604030504040204" pitchFamily="34" charset="-120"/>
               </a:rPr>
-              <a:t>一顆孝</a:t>
-            </a:r>
-            <a:r>
-              <a:rPr lang="zh-CN" altLang="en-US" sz="5400" b="1" dirty="0" smtClean="0">
+              <a:t>正</a:t>
+            </a:r>
+            <a:r>
+              <a:rPr lang="en-US" sz="4267" b="1" dirty="0">
+                <a:solidFill>
+                  <a:srgbClr val="660033"/>
+                </a:solidFill>
                 <a:latin typeface="Microsoft JhengHei" panose="020B0604030504040204" pitchFamily="34" charset="-120"/>
                 <a:ea typeface="Microsoft JhengHei" panose="020B0604030504040204" pitchFamily="34" charset="-120"/>
               </a:rPr>
-              <a:t>心為你存留</a:t>
-            </a:r>
-            <a:endParaRPr lang="en-US" altLang="zh-CN" sz="5400" b="1" dirty="0" smtClean="0">
-              <a:latin typeface="Microsoft JhengHei" panose="020B0604030504040204" pitchFamily="34" charset="-120"/>
-              <a:ea typeface="Microsoft JhengHei" panose="020B0604030504040204" pitchFamily="34" charset="-120"/>
-            </a:endParaRPr>
-          </a:p>
-          <a:p>
-            <a:pPr marL="0" indent="0" algn="ctr">
-              <a:buNone/>
-            </a:pPr>
-            <a:r>
-              <a:rPr lang="zh-CN" altLang="en-US" sz="5400" b="1" dirty="0" smtClean="0">
-                <a:latin typeface="Microsoft JhengHei" panose="020B0604030504040204" pitchFamily="34" charset="-120"/>
-                <a:ea typeface="Microsoft JhengHei" panose="020B0604030504040204" pitchFamily="34" charset="-120"/>
-              </a:rPr>
-              <a:t>只</a:t>
-            </a:r>
-            <a:r>
-              <a:rPr lang="zh-CN" altLang="en-US" sz="5400" b="1" dirty="0">
-                <a:latin typeface="Microsoft JhengHei" panose="020B0604030504040204" pitchFamily="34" charset="-120"/>
-                <a:ea typeface="Microsoft JhengHei" panose="020B0604030504040204" pitchFamily="34" charset="-120"/>
-              </a:rPr>
-              <a:t>祈</a:t>
-            </a:r>
-            <a:r>
-              <a:rPr lang="zh-CN" altLang="en-US" sz="5400" b="1" dirty="0" smtClean="0">
-                <a:latin typeface="Microsoft JhengHei" panose="020B0604030504040204" pitchFamily="34" charset="-120"/>
-                <a:ea typeface="Microsoft JhengHei" panose="020B0604030504040204" pitchFamily="34" charset="-120"/>
-              </a:rPr>
-              <a:t>求雙親都多福蔭</a:t>
-            </a:r>
-            <a:endParaRPr lang="en-US" altLang="zh-CN" sz="5400" b="1" dirty="0" smtClean="0">
-              <a:latin typeface="Microsoft JhengHei" panose="020B0604030504040204" pitchFamily="34" charset="-120"/>
-              <a:ea typeface="Microsoft JhengHei" panose="020B0604030504040204" pitchFamily="34" charset="-120"/>
-            </a:endParaRPr>
-          </a:p>
-          <a:p>
-            <a:pPr marL="0" indent="0" algn="ctr">
-              <a:buNone/>
-            </a:pPr>
-            <a:r>
-              <a:rPr lang="zh-CN" altLang="en-US" sz="5400" b="1" dirty="0" smtClean="0">
-                <a:latin typeface="Microsoft JhengHei" panose="020B0604030504040204" pitchFamily="34" charset="-120"/>
-                <a:ea typeface="Microsoft JhengHei" panose="020B0604030504040204" pitchFamily="34" charset="-120"/>
-              </a:rPr>
-              <a:t>准我給你說一聲</a:t>
-            </a:r>
-            <a:endParaRPr lang="en-US" altLang="zh-CN" sz="5400" b="1" dirty="0" smtClean="0">
-              <a:latin typeface="Microsoft JhengHei" panose="020B0604030504040204" pitchFamily="34" charset="-120"/>
-              <a:ea typeface="Microsoft JhengHei" panose="020B0604030504040204" pitchFamily="34" charset="-120"/>
-            </a:endParaRPr>
-          </a:p>
-          <a:p>
-            <a:pPr marL="0" indent="0" algn="ctr">
-              <a:buNone/>
-            </a:pPr>
-            <a:r>
-              <a:rPr lang="en-US" sz="5400" b="1" dirty="0" smtClean="0">
-                <a:latin typeface="Microsoft JhengHei" panose="020B0604030504040204" pitchFamily="34" charset="-120"/>
-                <a:ea typeface="Microsoft JhengHei" panose="020B0604030504040204" pitchFamily="34" charset="-120"/>
-              </a:rPr>
-              <a:t>OH </a:t>
-            </a:r>
-            <a:r>
-              <a:rPr lang="zh-CN" altLang="en-US" sz="5400" b="1" dirty="0">
-                <a:latin typeface="Microsoft JhengHei" panose="020B0604030504040204" pitchFamily="34" charset="-120"/>
-                <a:ea typeface="Microsoft JhengHei" panose="020B0604030504040204" pitchFamily="34" charset="-120"/>
-              </a:rPr>
-              <a:t>嗲</a:t>
-            </a:r>
-            <a:r>
-              <a:rPr lang="zh-CN" altLang="en-US" sz="5400" b="1" dirty="0" smtClean="0">
-                <a:latin typeface="Microsoft JhengHei" panose="020B0604030504040204" pitchFamily="34" charset="-120"/>
-                <a:ea typeface="Microsoft JhengHei" panose="020B0604030504040204" pitchFamily="34" charset="-120"/>
-              </a:rPr>
-              <a:t>地</a:t>
-            </a:r>
-            <a:r>
-              <a:rPr lang="zh-CN" altLang="en-US" sz="5400" b="1" dirty="0">
-                <a:latin typeface="Microsoft JhengHei" panose="020B0604030504040204" pitchFamily="34" charset="-120"/>
-                <a:ea typeface="Microsoft JhengHei" panose="020B0604030504040204" pitchFamily="34" charset="-120"/>
-              </a:rPr>
-              <a:t>媽咪</a:t>
-            </a:r>
-            <a:r>
-              <a:rPr lang="zh-CN" altLang="en-US" sz="5400" b="1" dirty="0" smtClean="0">
-                <a:latin typeface="Microsoft JhengHei" panose="020B0604030504040204" pitchFamily="34" charset="-120"/>
-                <a:ea typeface="Microsoft JhengHei" panose="020B0604030504040204" pitchFamily="34" charset="-120"/>
-              </a:rPr>
-              <a:t>多謝你</a:t>
-            </a:r>
-            <a:endParaRPr lang="vi-VN" sz="5400" b="1" dirty="0">
+              <a:t> 2 )</a:t>
+            </a:r>
+            <a:endParaRPr lang="vi-VN" sz="4267" b="1" dirty="0">
+              <a:solidFill>
+                <a:srgbClr val="660033"/>
+              </a:solidFill>
               <a:ea typeface="Microsoft JhengHei" panose="020B0604030504040204" pitchFamily="34" charset="-120"/>
             </a:endParaRPr>
           </a:p>
@@ -3933,7 +3859,7 @@
     </p:spTree>
     <p:extLst>
       <p:ext uri="{BB962C8B-B14F-4D97-AF65-F5344CB8AC3E}">
-        <p14:creationId xmlns:p14="http://schemas.microsoft.com/office/powerpoint/2010/main" val="3732530563"/>
+        <p14:creationId xmlns:p14="http://schemas.microsoft.com/office/powerpoint/2010/main" val="1341765882"/>
       </p:ext>
     </p:extLst>
   </p:cSld>
@@ -3962,121 +3888,128 @@
       </p:grpSpPr>
       <p:sp>
         <p:nvSpPr>
-          <p:cNvPr id="2" name="Title 1"/>
-          <p:cNvSpPr>
-            <a:spLocks noGrp="1"/>
-          </p:cNvSpPr>
-          <p:nvPr>
-            <p:ph type="title"/>
-          </p:nvPr>
-        </p:nvSpPr>
-        <p:spPr/>
-        <p:txBody>
-          <a:bodyPr>
+          <p:cNvPr id="5" name="內容版面配置區 4"/>
+          <p:cNvSpPr>
+            <a:spLocks noGrp="1"/>
+          </p:cNvSpPr>
+          <p:nvPr>
+            <p:ph idx="1"/>
+          </p:nvPr>
+        </p:nvSpPr>
+        <p:spPr>
+          <a:xfrm>
+            <a:off x="0" y="2084851"/>
+            <a:ext cx="12192000" cy="2404863"/>
+          </a:xfrm>
+        </p:spPr>
+        <p:txBody>
+          <a:bodyPr anchor="ctr">
             <a:normAutofit/>
           </a:bodyPr>
           <a:lstStyle/>
           <a:p>
-            <a:r>
-              <a:rPr lang="zh-CN" altLang="en-US" sz="4800" b="1" dirty="0">
+            <a:pPr marL="0" indent="0" algn="ctr">
+              <a:buNone/>
+            </a:pPr>
+            <a:r>
+              <a:rPr lang="zh-CN" altLang="en-US" sz="6400" b="1" dirty="0">
+                <a:solidFill>
+                  <a:srgbClr val="660033"/>
+                </a:solidFill>
+                <a:latin typeface="微軟正黑體" pitchFamily="34" charset="-120"/>
+                <a:ea typeface="微軟正黑體" pitchFamily="34" charset="-120"/>
+              </a:rPr>
+              <a:t>天天照料我  </a:t>
+            </a:r>
+            <a:endParaRPr lang="en-US" altLang="zh-CN" sz="6400" b="1" dirty="0">
+              <a:solidFill>
+                <a:srgbClr val="660033"/>
+              </a:solidFill>
+              <a:latin typeface="微軟正黑體" pitchFamily="34" charset="-120"/>
+              <a:ea typeface="微軟正黑體" pitchFamily="34" charset="-120"/>
+            </a:endParaRPr>
+          </a:p>
+          <a:p>
+            <a:pPr marL="0" indent="0" algn="ctr">
+              <a:buNone/>
+            </a:pPr>
+            <a:r>
+              <a:rPr lang="zh-CN" altLang="en-US" sz="6400" b="1" dirty="0">
+                <a:solidFill>
+                  <a:srgbClr val="660033"/>
+                </a:solidFill>
+                <a:latin typeface="微軟正黑體" pitchFamily="34" charset="-120"/>
+                <a:ea typeface="微軟正黑體" pitchFamily="34" charset="-120"/>
+              </a:rPr>
+              <a:t>每日循循地教導我</a:t>
+            </a:r>
+            <a:endParaRPr lang="en-US" altLang="zh-CN" sz="6400" b="1" dirty="0">
+              <a:solidFill>
+                <a:srgbClr val="660033"/>
+              </a:solidFill>
+              <a:latin typeface="微軟正黑體" pitchFamily="34" charset="-120"/>
+              <a:ea typeface="微軟正黑體" pitchFamily="34" charset="-120"/>
+            </a:endParaRPr>
+          </a:p>
+        </p:txBody>
+      </p:sp>
+      <p:sp>
+        <p:nvSpPr>
+          <p:cNvPr id="3" name="TextBox 2"/>
+          <p:cNvSpPr txBox="1"/>
+          <p:nvPr/>
+        </p:nvSpPr>
+        <p:spPr>
+          <a:xfrm>
+            <a:off x="0" y="5157192"/>
+            <a:ext cx="12192000" cy="748988"/>
+          </a:xfrm>
+          <a:prstGeom prst="rect">
+            <a:avLst/>
+          </a:prstGeom>
+          <a:noFill/>
+        </p:spPr>
+        <p:txBody>
+          <a:bodyPr wrap="square" rtlCol="0">
+            <a:spAutoFit/>
+          </a:bodyPr>
+          <a:lstStyle/>
+          <a:p>
+            <a:pPr algn="ctr"/>
+            <a:r>
+              <a:rPr lang="en-US" sz="4267" b="1" dirty="0">
+                <a:solidFill>
+                  <a:srgbClr val="660033"/>
+                </a:solidFill>
                 <a:latin typeface="Microsoft JhengHei" panose="020B0604030504040204" pitchFamily="34" charset="-120"/>
                 <a:ea typeface="Microsoft JhengHei" panose="020B0604030504040204" pitchFamily="34" charset="-120"/>
               </a:rPr>
-              <a:t>爸媽我愛您</a:t>
-            </a:r>
-            <a:endParaRPr lang="vi-VN" sz="4800" b="1" dirty="0">
-              <a:ea typeface="Microsoft JhengHei" panose="020B0604030504040204" pitchFamily="34" charset="-120"/>
-            </a:endParaRPr>
-          </a:p>
-        </p:txBody>
-      </p:sp>
-      <p:sp>
-        <p:nvSpPr>
-          <p:cNvPr id="3" name="Content Placeholder 2"/>
-          <p:cNvSpPr>
-            <a:spLocks noGrp="1"/>
-          </p:cNvSpPr>
-          <p:nvPr>
-            <p:ph idx="1"/>
-          </p:nvPr>
-        </p:nvSpPr>
-        <p:spPr/>
-        <p:txBody>
-          <a:bodyPr>
-            <a:normAutofit/>
-          </a:bodyPr>
-          <a:lstStyle/>
-          <a:p>
-            <a:pPr marL="0" indent="0" algn="ctr">
-              <a:buNone/>
-            </a:pPr>
-            <a:r>
-              <a:rPr lang="zh-CN" altLang="en-US" sz="5400" b="1" dirty="0">
+              <a:t>( </a:t>
+            </a:r>
+            <a:r>
+              <a:rPr lang="zh-CN" altLang="en-US" sz="4267" b="1" dirty="0">
+                <a:solidFill>
+                  <a:srgbClr val="660033"/>
+                </a:solidFill>
+                <a:latin typeface="Microsoft JhengHei" panose="020B0604030504040204" pitchFamily="34" charset="-120"/>
                 <a:ea typeface="Microsoft JhengHei" panose="020B0604030504040204" pitchFamily="34" charset="-120"/>
               </a:rPr>
-              <a:t>天天照料我  </a:t>
-            </a:r>
-            <a:endParaRPr lang="en-US" altLang="zh-CN" sz="5400" b="1" dirty="0" smtClean="0">
-              <a:ea typeface="Microsoft JhengHei" panose="020B0604030504040204" pitchFamily="34" charset="-120"/>
-            </a:endParaRPr>
-          </a:p>
-          <a:p>
-            <a:pPr marL="0" indent="0" algn="ctr">
-              <a:buNone/>
-            </a:pPr>
-            <a:r>
-              <a:rPr lang="zh-CN" altLang="en-US" sz="5400" b="1" dirty="0" smtClean="0">
+              <a:t>副</a:t>
+            </a:r>
+            <a:r>
+              <a:rPr lang="en-US" sz="4267" b="1" dirty="0">
+                <a:solidFill>
+                  <a:srgbClr val="660033"/>
+                </a:solidFill>
+                <a:latin typeface="Microsoft JhengHei" panose="020B0604030504040204" pitchFamily="34" charset="-120"/>
                 <a:ea typeface="Microsoft JhengHei" panose="020B0604030504040204" pitchFamily="34" charset="-120"/>
               </a:rPr>
-              <a:t>每</a:t>
-            </a:r>
-            <a:r>
-              <a:rPr lang="zh-CN" altLang="en-US" sz="5400" b="1" dirty="0">
-                <a:ea typeface="Microsoft JhengHei" panose="020B0604030504040204" pitchFamily="34" charset="-120"/>
-              </a:rPr>
-              <a:t>日</a:t>
-            </a:r>
-            <a:r>
-              <a:rPr lang="zh-CN" altLang="en-US" sz="5400" b="1" dirty="0" smtClean="0">
-                <a:ea typeface="Microsoft JhengHei" panose="020B0604030504040204" pitchFamily="34" charset="-120"/>
-              </a:rPr>
-              <a:t>循循地教導我</a:t>
-            </a:r>
-            <a:endParaRPr lang="en-US" altLang="zh-CN" sz="5400" b="1" dirty="0" smtClean="0">
-              <a:ea typeface="Microsoft JhengHei" panose="020B0604030504040204" pitchFamily="34" charset="-120"/>
-            </a:endParaRPr>
-          </a:p>
-          <a:p>
-            <a:pPr marL="0" indent="0" algn="ctr">
-              <a:buNone/>
-            </a:pPr>
-            <a:r>
-              <a:rPr lang="zh-CN" altLang="en-US" sz="5400" b="1" dirty="0">
-                <a:ea typeface="Microsoft JhengHei" panose="020B0604030504040204" pitchFamily="34" charset="-120"/>
-              </a:rPr>
-              <a:t>謝</a:t>
-            </a:r>
-            <a:r>
-              <a:rPr lang="zh-CN" altLang="en-US" sz="5400" b="1" dirty="0" smtClean="0">
-                <a:ea typeface="Microsoft JhengHei" panose="020B0604030504040204" pitchFamily="34" charset="-120"/>
-              </a:rPr>
-              <a:t>謝天父賜給我 </a:t>
-            </a:r>
-            <a:endParaRPr lang="en-US" altLang="zh-CN" sz="5400" b="1" dirty="0" smtClean="0">
-              <a:ea typeface="Microsoft JhengHei" panose="020B0604030504040204" pitchFamily="34" charset="-120"/>
-            </a:endParaRPr>
-          </a:p>
-          <a:p>
-            <a:pPr marL="0" indent="0" algn="ctr">
-              <a:buNone/>
-            </a:pPr>
-            <a:r>
-              <a:rPr lang="zh-CN" altLang="en-US" sz="5400" b="1" dirty="0" smtClean="0">
-                <a:ea typeface="Microsoft JhengHei" panose="020B0604030504040204" pitchFamily="34" charset="-120"/>
-              </a:rPr>
-              <a:t>爸媽無窮盡的愛</a:t>
-            </a:r>
-            <a:endParaRPr lang="vi-VN" sz="5400" b="1" dirty="0">
+              <a:t> )</a:t>
+            </a:r>
+            <a:endParaRPr lang="vi-VN" sz="4267" b="1" dirty="0">
+              <a:solidFill>
+                <a:srgbClr val="660033"/>
+              </a:solidFill>
               <a:ea typeface="Microsoft JhengHei" panose="020B0604030504040204" pitchFamily="34" charset="-120"/>
             </a:endParaRPr>
           </a:p>
@@ -4085,7 +4018,494 @@
     </p:spTree>
     <p:extLst>
       <p:ext uri="{BB962C8B-B14F-4D97-AF65-F5344CB8AC3E}">
-        <p14:creationId xmlns:p14="http://schemas.microsoft.com/office/powerpoint/2010/main" val="746720463"/>
+        <p14:creationId xmlns:p14="http://schemas.microsoft.com/office/powerpoint/2010/main" val="4067271857"/>
+      </p:ext>
+    </p:extLst>
+  </p:cSld>
+  <p:clrMapOvr>
+    <a:masterClrMapping/>
+  </p:clrMapOvr>
+</p:sld>
+</file>
+
+<file path=ppt/slides/slide7.xml><?xml version="1.0" encoding="utf-8"?>
+<p:sld xmlns:a="http://schemas.openxmlformats.org/drawingml/2006/main" xmlns:r="http://schemas.openxmlformats.org/officeDocument/2006/relationships" xmlns:p="http://schemas.openxmlformats.org/presentationml/2006/main">
+  <p:cSld>
+    <p:spTree>
+      <p:nvGrpSpPr>
+        <p:cNvPr id="1" name=""/>
+        <p:cNvGrpSpPr/>
+        <p:nvPr/>
+      </p:nvGrpSpPr>
+      <p:grpSpPr>
+        <a:xfrm>
+          <a:off x="0" y="0"/>
+          <a:ext cx="0" cy="0"/>
+          <a:chOff x="0" y="0"/>
+          <a:chExt cx="0" cy="0"/>
+        </a:xfrm>
+      </p:grpSpPr>
+      <p:sp>
+        <p:nvSpPr>
+          <p:cNvPr id="5" name="內容版面配置區 4"/>
+          <p:cNvSpPr>
+            <a:spLocks noGrp="1"/>
+          </p:cNvSpPr>
+          <p:nvPr>
+            <p:ph idx="1"/>
+          </p:nvPr>
+        </p:nvSpPr>
+        <p:spPr>
+          <a:xfrm>
+            <a:off x="0" y="2084851"/>
+            <a:ext cx="12192000" cy="2404863"/>
+          </a:xfrm>
+        </p:spPr>
+        <p:txBody>
+          <a:bodyPr anchor="ctr">
+            <a:normAutofit/>
+          </a:bodyPr>
+          <a:lstStyle/>
+          <a:p>
+            <a:pPr marL="0" indent="0" algn="ctr">
+              <a:buNone/>
+            </a:pPr>
+            <a:r>
+              <a:rPr lang="zh-CN" altLang="en-US" sz="6400" b="1" dirty="0">
+                <a:solidFill>
+                  <a:srgbClr val="660033"/>
+                </a:solidFill>
+                <a:latin typeface="微軟正黑體" pitchFamily="34" charset="-120"/>
+                <a:ea typeface="微軟正黑體" pitchFamily="34" charset="-120"/>
+              </a:rPr>
+              <a:t>謝謝天父賜給我 </a:t>
+            </a:r>
+            <a:endParaRPr lang="en-US" altLang="zh-CN" sz="6400" b="1" dirty="0">
+              <a:solidFill>
+                <a:srgbClr val="660033"/>
+              </a:solidFill>
+              <a:latin typeface="微軟正黑體" pitchFamily="34" charset="-120"/>
+              <a:ea typeface="微軟正黑體" pitchFamily="34" charset="-120"/>
+            </a:endParaRPr>
+          </a:p>
+          <a:p>
+            <a:pPr marL="0" indent="0" algn="ctr">
+              <a:buNone/>
+            </a:pPr>
+            <a:r>
+              <a:rPr lang="zh-CN" altLang="en-US" sz="6400" b="1" dirty="0">
+                <a:solidFill>
+                  <a:srgbClr val="660033"/>
+                </a:solidFill>
+                <a:latin typeface="微軟正黑體" pitchFamily="34" charset="-120"/>
+                <a:ea typeface="微軟正黑體" pitchFamily="34" charset="-120"/>
+              </a:rPr>
+              <a:t>爸媽無窮盡的愛</a:t>
+            </a:r>
+            <a:endParaRPr lang="vi-VN" sz="6400" b="1" dirty="0">
+              <a:solidFill>
+                <a:srgbClr val="660033"/>
+              </a:solidFill>
+              <a:latin typeface="微軟正黑體" pitchFamily="34" charset="-120"/>
+              <a:ea typeface="微軟正黑體" pitchFamily="34" charset="-120"/>
+            </a:endParaRPr>
+          </a:p>
+        </p:txBody>
+      </p:sp>
+      <p:sp>
+        <p:nvSpPr>
+          <p:cNvPr id="3" name="TextBox 2"/>
+          <p:cNvSpPr txBox="1"/>
+          <p:nvPr/>
+        </p:nvSpPr>
+        <p:spPr>
+          <a:xfrm>
+            <a:off x="0" y="5157192"/>
+            <a:ext cx="12192000" cy="748988"/>
+          </a:xfrm>
+          <a:prstGeom prst="rect">
+            <a:avLst/>
+          </a:prstGeom>
+          <a:noFill/>
+        </p:spPr>
+        <p:txBody>
+          <a:bodyPr wrap="square" rtlCol="0">
+            <a:spAutoFit/>
+          </a:bodyPr>
+          <a:lstStyle/>
+          <a:p>
+            <a:pPr algn="ctr"/>
+            <a:r>
+              <a:rPr lang="en-US" sz="4267" b="1" dirty="0">
+                <a:solidFill>
+                  <a:srgbClr val="660033"/>
+                </a:solidFill>
+                <a:latin typeface="Microsoft JhengHei" panose="020B0604030504040204" pitchFamily="34" charset="-120"/>
+                <a:ea typeface="Microsoft JhengHei" panose="020B0604030504040204" pitchFamily="34" charset="-120"/>
+              </a:rPr>
+              <a:t>( </a:t>
+            </a:r>
+            <a:r>
+              <a:rPr lang="zh-CN" altLang="en-US" sz="4267" b="1" dirty="0">
+                <a:solidFill>
+                  <a:srgbClr val="660033"/>
+                </a:solidFill>
+                <a:latin typeface="Microsoft JhengHei" panose="020B0604030504040204" pitchFamily="34" charset="-120"/>
+                <a:ea typeface="Microsoft JhengHei" panose="020B0604030504040204" pitchFamily="34" charset="-120"/>
+              </a:rPr>
+              <a:t>副</a:t>
+            </a:r>
+            <a:r>
+              <a:rPr lang="en-US" sz="4267" b="1" dirty="0">
+                <a:solidFill>
+                  <a:srgbClr val="660033"/>
+                </a:solidFill>
+                <a:latin typeface="Microsoft JhengHei" panose="020B0604030504040204" pitchFamily="34" charset="-120"/>
+                <a:ea typeface="Microsoft JhengHei" panose="020B0604030504040204" pitchFamily="34" charset="-120"/>
+              </a:rPr>
+              <a:t> )</a:t>
+            </a:r>
+            <a:endParaRPr lang="vi-VN" sz="4267" b="1" dirty="0">
+              <a:solidFill>
+                <a:srgbClr val="660033"/>
+              </a:solidFill>
+              <a:ea typeface="Microsoft JhengHei" panose="020B0604030504040204" pitchFamily="34" charset="-120"/>
+            </a:endParaRPr>
+          </a:p>
+        </p:txBody>
+      </p:sp>
+    </p:spTree>
+    <p:extLst>
+      <p:ext uri="{BB962C8B-B14F-4D97-AF65-F5344CB8AC3E}">
+        <p14:creationId xmlns:p14="http://schemas.microsoft.com/office/powerpoint/2010/main" val="2068927146"/>
+      </p:ext>
+    </p:extLst>
+  </p:cSld>
+  <p:clrMapOvr>
+    <a:masterClrMapping/>
+  </p:clrMapOvr>
+</p:sld>
+</file>
+
+<file path=ppt/slides/slide8.xml><?xml version="1.0" encoding="utf-8"?>
+<p:sld xmlns:a="http://schemas.openxmlformats.org/drawingml/2006/main" xmlns:r="http://schemas.openxmlformats.org/officeDocument/2006/relationships" xmlns:p="http://schemas.openxmlformats.org/presentationml/2006/main">
+  <p:cSld>
+    <p:spTree>
+      <p:nvGrpSpPr>
+        <p:cNvPr id="1" name=""/>
+        <p:cNvGrpSpPr/>
+        <p:nvPr/>
+      </p:nvGrpSpPr>
+      <p:grpSpPr>
+        <a:xfrm>
+          <a:off x="0" y="0"/>
+          <a:ext cx="0" cy="0"/>
+          <a:chOff x="0" y="0"/>
+          <a:chExt cx="0" cy="0"/>
+        </a:xfrm>
+      </p:grpSpPr>
+      <p:sp>
+        <p:nvSpPr>
+          <p:cNvPr id="5" name="內容版面配置區 4"/>
+          <p:cNvSpPr>
+            <a:spLocks noGrp="1"/>
+          </p:cNvSpPr>
+          <p:nvPr>
+            <p:ph idx="1"/>
+          </p:nvPr>
+        </p:nvSpPr>
+        <p:spPr>
+          <a:xfrm>
+            <a:off x="0" y="2084851"/>
+            <a:ext cx="12192000" cy="2404863"/>
+          </a:xfrm>
+        </p:spPr>
+        <p:txBody>
+          <a:bodyPr anchor="ctr">
+            <a:normAutofit/>
+          </a:bodyPr>
+          <a:lstStyle/>
+          <a:p>
+            <a:pPr marL="0" indent="0" algn="ctr">
+              <a:buNone/>
+            </a:pPr>
+            <a:r>
+              <a:rPr lang="zh-CN" altLang="en-US" sz="6400" b="1" dirty="0">
+                <a:solidFill>
+                  <a:srgbClr val="660033"/>
+                </a:solidFill>
+                <a:latin typeface="微軟正黑體" pitchFamily="34" charset="-120"/>
+                <a:ea typeface="微軟正黑體" pitchFamily="34" charset="-120"/>
+              </a:rPr>
+              <a:t>一顆孝心為你存留</a:t>
+            </a:r>
+            <a:endParaRPr lang="en-US" altLang="zh-CN" sz="6400" b="1" dirty="0">
+              <a:solidFill>
+                <a:srgbClr val="660033"/>
+              </a:solidFill>
+              <a:latin typeface="微軟正黑體" pitchFamily="34" charset="-120"/>
+              <a:ea typeface="微軟正黑體" pitchFamily="34" charset="-120"/>
+            </a:endParaRPr>
+          </a:p>
+          <a:p>
+            <a:pPr marL="0" indent="0" algn="ctr">
+              <a:buNone/>
+            </a:pPr>
+            <a:r>
+              <a:rPr lang="zh-CN" altLang="en-US" sz="6400" b="1" dirty="0">
+                <a:solidFill>
+                  <a:srgbClr val="660033"/>
+                </a:solidFill>
+                <a:latin typeface="微軟正黑體" pitchFamily="34" charset="-120"/>
+                <a:ea typeface="微軟正黑體" pitchFamily="34" charset="-120"/>
+              </a:rPr>
+              <a:t>只祈求雙親都多福蔭</a:t>
+            </a:r>
+            <a:endParaRPr lang="en-US" altLang="zh-CN" sz="6400" b="1" dirty="0">
+              <a:solidFill>
+                <a:srgbClr val="660033"/>
+              </a:solidFill>
+              <a:latin typeface="微軟正黑體" pitchFamily="34" charset="-120"/>
+              <a:ea typeface="微軟正黑體" pitchFamily="34" charset="-120"/>
+            </a:endParaRPr>
+          </a:p>
+        </p:txBody>
+      </p:sp>
+      <p:sp>
+        <p:nvSpPr>
+          <p:cNvPr id="3" name="TextBox 2"/>
+          <p:cNvSpPr txBox="1"/>
+          <p:nvPr/>
+        </p:nvSpPr>
+        <p:spPr>
+          <a:xfrm>
+            <a:off x="0" y="5157192"/>
+            <a:ext cx="12192000" cy="748988"/>
+          </a:xfrm>
+          <a:prstGeom prst="rect">
+            <a:avLst/>
+          </a:prstGeom>
+          <a:noFill/>
+        </p:spPr>
+        <p:txBody>
+          <a:bodyPr wrap="square" rtlCol="0">
+            <a:spAutoFit/>
+          </a:bodyPr>
+          <a:lstStyle/>
+          <a:p>
+            <a:pPr algn="ctr"/>
+            <a:r>
+              <a:rPr lang="en-US" sz="4267" b="1" dirty="0">
+                <a:solidFill>
+                  <a:srgbClr val="660033"/>
+                </a:solidFill>
+                <a:latin typeface="Microsoft JhengHei" panose="020B0604030504040204" pitchFamily="34" charset="-120"/>
+                <a:ea typeface="Microsoft JhengHei" panose="020B0604030504040204" pitchFamily="34" charset="-120"/>
+              </a:rPr>
+              <a:t>( </a:t>
+            </a:r>
+            <a:r>
+              <a:rPr lang="zh-CN" altLang="en-US" sz="4267" b="1" dirty="0">
+                <a:solidFill>
+                  <a:srgbClr val="660033"/>
+                </a:solidFill>
+                <a:latin typeface="Microsoft JhengHei" panose="020B0604030504040204" pitchFamily="34" charset="-120"/>
+                <a:ea typeface="Microsoft JhengHei" panose="020B0604030504040204" pitchFamily="34" charset="-120"/>
+              </a:rPr>
+              <a:t>正</a:t>
+            </a:r>
+            <a:r>
+              <a:rPr lang="en-US" sz="4267" b="1" dirty="0">
+                <a:solidFill>
+                  <a:srgbClr val="660033"/>
+                </a:solidFill>
+                <a:latin typeface="Microsoft JhengHei" panose="020B0604030504040204" pitchFamily="34" charset="-120"/>
+                <a:ea typeface="Microsoft JhengHei" panose="020B0604030504040204" pitchFamily="34" charset="-120"/>
+              </a:rPr>
+              <a:t> 3 )</a:t>
+            </a:r>
+            <a:endParaRPr lang="vi-VN" sz="4267" b="1" dirty="0">
+              <a:solidFill>
+                <a:srgbClr val="660033"/>
+              </a:solidFill>
+              <a:ea typeface="Microsoft JhengHei" panose="020B0604030504040204" pitchFamily="34" charset="-120"/>
+            </a:endParaRPr>
+          </a:p>
+        </p:txBody>
+      </p:sp>
+    </p:spTree>
+    <p:extLst>
+      <p:ext uri="{BB962C8B-B14F-4D97-AF65-F5344CB8AC3E}">
+        <p14:creationId xmlns:p14="http://schemas.microsoft.com/office/powerpoint/2010/main" val="599519167"/>
+      </p:ext>
+    </p:extLst>
+  </p:cSld>
+  <p:clrMapOvr>
+    <a:masterClrMapping/>
+  </p:clrMapOvr>
+</p:sld>
+</file>
+
+<file path=ppt/slides/slide9.xml><?xml version="1.0" encoding="utf-8"?>
+<p:sld xmlns:a="http://schemas.openxmlformats.org/drawingml/2006/main" xmlns:r="http://schemas.openxmlformats.org/officeDocument/2006/relationships" xmlns:p="http://schemas.openxmlformats.org/presentationml/2006/main">
+  <p:cSld>
+    <p:spTree>
+      <p:nvGrpSpPr>
+        <p:cNvPr id="1" name=""/>
+        <p:cNvGrpSpPr/>
+        <p:nvPr/>
+      </p:nvGrpSpPr>
+      <p:grpSpPr>
+        <a:xfrm>
+          <a:off x="0" y="0"/>
+          <a:ext cx="0" cy="0"/>
+          <a:chOff x="0" y="0"/>
+          <a:chExt cx="0" cy="0"/>
+        </a:xfrm>
+      </p:grpSpPr>
+      <p:sp>
+        <p:nvSpPr>
+          <p:cNvPr id="5" name="內容版面配置區 4"/>
+          <p:cNvSpPr>
+            <a:spLocks noGrp="1"/>
+          </p:cNvSpPr>
+          <p:nvPr>
+            <p:ph idx="1"/>
+          </p:nvPr>
+        </p:nvSpPr>
+        <p:spPr>
+          <a:xfrm>
+            <a:off x="0" y="2084851"/>
+            <a:ext cx="12192000" cy="2404863"/>
+          </a:xfrm>
+        </p:spPr>
+        <p:txBody>
+          <a:bodyPr anchor="ctr">
+            <a:normAutofit/>
+          </a:bodyPr>
+          <a:lstStyle/>
+          <a:p>
+            <a:pPr marL="0" indent="0" algn="ctr">
+              <a:buNone/>
+            </a:pPr>
+            <a:r>
+              <a:rPr lang="zh-CN" altLang="en-US" sz="6400" b="1" dirty="0">
+                <a:solidFill>
+                  <a:srgbClr val="660033"/>
+                </a:solidFill>
+                <a:latin typeface="微軟正黑體" pitchFamily="34" charset="-120"/>
+                <a:ea typeface="微軟正黑體" pitchFamily="34" charset="-120"/>
+              </a:rPr>
+              <a:t>准我給你說一聲</a:t>
+            </a:r>
+            <a:endParaRPr lang="en-US" altLang="zh-CN" sz="6400" b="1" dirty="0">
+              <a:solidFill>
+                <a:srgbClr val="660033"/>
+              </a:solidFill>
+              <a:latin typeface="微軟正黑體" pitchFamily="34" charset="-120"/>
+              <a:ea typeface="微軟正黑體" pitchFamily="34" charset="-120"/>
+            </a:endParaRPr>
+          </a:p>
+          <a:p>
+            <a:pPr marL="0" indent="0" algn="ctr">
+              <a:buNone/>
+            </a:pPr>
+            <a:r>
+              <a:rPr lang="en-US" sz="6400" b="1" dirty="0">
+                <a:solidFill>
+                  <a:srgbClr val="660033"/>
+                </a:solidFill>
+                <a:latin typeface="微軟正黑體" pitchFamily="34" charset="-120"/>
+                <a:ea typeface="微軟正黑體" pitchFamily="34" charset="-120"/>
+              </a:rPr>
+              <a:t>OH </a:t>
+            </a:r>
+            <a:r>
+              <a:rPr lang="zh-CN" altLang="en-US" sz="6400" b="1" dirty="0">
+                <a:solidFill>
+                  <a:srgbClr val="660033"/>
+                </a:solidFill>
+                <a:latin typeface="微軟正黑體" pitchFamily="34" charset="-120"/>
+                <a:ea typeface="微軟正黑體" pitchFamily="34" charset="-120"/>
+              </a:rPr>
+              <a:t>嗲地媽咪多謝你</a:t>
+            </a:r>
+            <a:endParaRPr lang="vi-VN" sz="6400" b="1" dirty="0">
+              <a:solidFill>
+                <a:srgbClr val="660033"/>
+              </a:solidFill>
+              <a:latin typeface="微軟正黑體" pitchFamily="34" charset="-120"/>
+              <a:ea typeface="微軟正黑體" pitchFamily="34" charset="-120"/>
+            </a:endParaRPr>
+          </a:p>
+        </p:txBody>
+      </p:sp>
+      <p:sp>
+        <p:nvSpPr>
+          <p:cNvPr id="3" name="TextBox 2"/>
+          <p:cNvSpPr txBox="1"/>
+          <p:nvPr/>
+        </p:nvSpPr>
+        <p:spPr>
+          <a:xfrm>
+            <a:off x="0" y="5157192"/>
+            <a:ext cx="12192000" cy="748988"/>
+          </a:xfrm>
+          <a:prstGeom prst="rect">
+            <a:avLst/>
+          </a:prstGeom>
+          <a:noFill/>
+        </p:spPr>
+        <p:txBody>
+          <a:bodyPr wrap="square" rtlCol="0">
+            <a:spAutoFit/>
+          </a:bodyPr>
+          <a:lstStyle/>
+          <a:p>
+            <a:pPr algn="ctr"/>
+            <a:r>
+              <a:rPr lang="en-US" sz="4267" b="1" dirty="0">
+                <a:solidFill>
+                  <a:srgbClr val="660033"/>
+                </a:solidFill>
+                <a:latin typeface="Microsoft JhengHei" panose="020B0604030504040204" pitchFamily="34" charset="-120"/>
+                <a:ea typeface="Microsoft JhengHei" panose="020B0604030504040204" pitchFamily="34" charset="-120"/>
+              </a:rPr>
+              <a:t>( </a:t>
+            </a:r>
+            <a:r>
+              <a:rPr lang="zh-CN" altLang="en-US" sz="4267" b="1" dirty="0">
+                <a:solidFill>
+                  <a:srgbClr val="660033"/>
+                </a:solidFill>
+                <a:latin typeface="Microsoft JhengHei" panose="020B0604030504040204" pitchFamily="34" charset="-120"/>
+                <a:ea typeface="Microsoft JhengHei" panose="020B0604030504040204" pitchFamily="34" charset="-120"/>
+              </a:rPr>
+              <a:t>正</a:t>
+            </a:r>
+            <a:r>
+              <a:rPr lang="en-US" sz="4267" b="1" dirty="0">
+                <a:solidFill>
+                  <a:srgbClr val="660033"/>
+                </a:solidFill>
+                <a:latin typeface="Microsoft JhengHei" panose="020B0604030504040204" pitchFamily="34" charset="-120"/>
+                <a:ea typeface="Microsoft JhengHei" panose="020B0604030504040204" pitchFamily="34" charset="-120"/>
+              </a:rPr>
+              <a:t> 3 )</a:t>
+            </a:r>
+            <a:endParaRPr lang="vi-VN" sz="4267" b="1" dirty="0">
+              <a:solidFill>
+                <a:srgbClr val="660033"/>
+              </a:solidFill>
+              <a:ea typeface="Microsoft JhengHei" panose="020B0604030504040204" pitchFamily="34" charset="-120"/>
+            </a:endParaRPr>
+          </a:p>
+        </p:txBody>
+      </p:sp>
+    </p:spTree>
+    <p:extLst>
+      <p:ext uri="{BB962C8B-B14F-4D97-AF65-F5344CB8AC3E}">
+        <p14:creationId xmlns:p14="http://schemas.microsoft.com/office/powerpoint/2010/main" val="3555700689"/>
       </p:ext>
     </p:extLst>
   </p:cSld>

--- a/爸媽我愛您.pptx
+++ b/爸媽我愛您.pptx
@@ -301,7 +301,7 @@
           <a:p>
             <a:fld id="{BD993AFC-1180-4318-B633-A37DB05191E7}" type="datetimeFigureOut">
               <a:rPr lang="vi-VN" smtClean="0"/>
-              <a:t>07/05/2022</a:t>
+              <a:t>11/05/2023</a:t>
             </a:fld>
             <a:endParaRPr lang="vi-VN"/>
           </a:p>
@@ -471,7 +471,7 @@
           <a:p>
             <a:fld id="{BD993AFC-1180-4318-B633-A37DB05191E7}" type="datetimeFigureOut">
               <a:rPr lang="vi-VN" smtClean="0"/>
-              <a:t>07/05/2022</a:t>
+              <a:t>11/05/2023</a:t>
             </a:fld>
             <a:endParaRPr lang="vi-VN"/>
           </a:p>
@@ -651,7 +651,7 @@
           <a:p>
             <a:fld id="{BD993AFC-1180-4318-B633-A37DB05191E7}" type="datetimeFigureOut">
               <a:rPr lang="vi-VN" smtClean="0"/>
-              <a:t>07/05/2022</a:t>
+              <a:t>11/05/2023</a:t>
             </a:fld>
             <a:endParaRPr lang="vi-VN"/>
           </a:p>
@@ -821,7 +821,7 @@
           <a:p>
             <a:fld id="{BD993AFC-1180-4318-B633-A37DB05191E7}" type="datetimeFigureOut">
               <a:rPr lang="vi-VN" smtClean="0"/>
-              <a:t>07/05/2022</a:t>
+              <a:t>11/05/2023</a:t>
             </a:fld>
             <a:endParaRPr lang="vi-VN"/>
           </a:p>
@@ -1067,7 +1067,7 @@
           <a:p>
             <a:fld id="{BD993AFC-1180-4318-B633-A37DB05191E7}" type="datetimeFigureOut">
               <a:rPr lang="vi-VN" smtClean="0"/>
-              <a:t>07/05/2022</a:t>
+              <a:t>11/05/2023</a:t>
             </a:fld>
             <a:endParaRPr lang="vi-VN"/>
           </a:p>
@@ -1355,7 +1355,7 @@
           <a:p>
             <a:fld id="{BD993AFC-1180-4318-B633-A37DB05191E7}" type="datetimeFigureOut">
               <a:rPr lang="vi-VN" smtClean="0"/>
-              <a:t>07/05/2022</a:t>
+              <a:t>11/05/2023</a:t>
             </a:fld>
             <a:endParaRPr lang="vi-VN"/>
           </a:p>
@@ -1777,7 +1777,7 @@
           <a:p>
             <a:fld id="{BD993AFC-1180-4318-B633-A37DB05191E7}" type="datetimeFigureOut">
               <a:rPr lang="vi-VN" smtClean="0"/>
-              <a:t>07/05/2022</a:t>
+              <a:t>11/05/2023</a:t>
             </a:fld>
             <a:endParaRPr lang="vi-VN"/>
           </a:p>
@@ -1895,7 +1895,7 @@
           <a:p>
             <a:fld id="{BD993AFC-1180-4318-B633-A37DB05191E7}" type="datetimeFigureOut">
               <a:rPr lang="vi-VN" smtClean="0"/>
-              <a:t>07/05/2022</a:t>
+              <a:t>11/05/2023</a:t>
             </a:fld>
             <a:endParaRPr lang="vi-VN"/>
           </a:p>
@@ -1990,7 +1990,7 @@
           <a:p>
             <a:fld id="{BD993AFC-1180-4318-B633-A37DB05191E7}" type="datetimeFigureOut">
               <a:rPr lang="vi-VN" smtClean="0"/>
-              <a:t>07/05/2022</a:t>
+              <a:t>11/05/2023</a:t>
             </a:fld>
             <a:endParaRPr lang="vi-VN"/>
           </a:p>
@@ -2267,7 +2267,7 @@
           <a:p>
             <a:fld id="{BD993AFC-1180-4318-B633-A37DB05191E7}" type="datetimeFigureOut">
               <a:rPr lang="vi-VN" smtClean="0"/>
-              <a:t>07/05/2022</a:t>
+              <a:t>11/05/2023</a:t>
             </a:fld>
             <a:endParaRPr lang="vi-VN"/>
           </a:p>
@@ -2524,7 +2524,7 @@
           <a:p>
             <a:fld id="{BD993AFC-1180-4318-B633-A37DB05191E7}" type="datetimeFigureOut">
               <a:rPr lang="vi-VN" smtClean="0"/>
-              <a:t>07/05/2022</a:t>
+              <a:t>11/05/2023</a:t>
             </a:fld>
             <a:endParaRPr lang="vi-VN"/>
           </a:p>
@@ -2742,7 +2742,7 @@
           <a:p>
             <a:fld id="{BD993AFC-1180-4318-B633-A37DB05191E7}" type="datetimeFigureOut">
               <a:rPr lang="vi-VN" smtClean="0"/>
-              <a:t>07/05/2022</a:t>
+              <a:t>11/05/2023</a:t>
             </a:fld>
             <a:endParaRPr lang="vi-VN"/>
           </a:p>
@@ -3154,24 +3154,7 @@
                 <a:latin typeface="微軟正黑體" pitchFamily="34" charset="-120"/>
                 <a:ea typeface="微軟正黑體" pitchFamily="34" charset="-120"/>
               </a:rPr>
-              <a:t>爸</a:t>
-            </a:r>
-            <a:r>
-              <a:rPr lang="zh-CN" altLang="en-US" sz="7200" b="1" i="1" dirty="0">
-                <a:solidFill>
-                  <a:srgbClr val="660033"/>
-                </a:solidFill>
-                <a:effectLst>
-                  <a:outerShdw blurRad="38100" dist="38100" dir="2700000" algn="tl">
-                    <a:srgbClr val="000000">
-                      <a:alpha val="43137"/>
-                    </a:srgbClr>
-                  </a:outerShdw>
-                </a:effectLst>
-                <a:latin typeface="微軟正黑體" pitchFamily="34" charset="-120"/>
-                <a:ea typeface="微軟正黑體" pitchFamily="34" charset="-120"/>
-              </a:rPr>
-              <a:t>媽我愛您</a:t>
+              <a:t>爸媽我愛您</a:t>
             </a:r>
             <a:endParaRPr lang="zh-TW" altLang="en-US" sz="7200" b="1" i="1" dirty="0">
               <a:solidFill>
@@ -3246,14 +3229,14 @@
               <a:buNone/>
             </a:pPr>
             <a:r>
-              <a:rPr lang="zh-CN" altLang="en-US" sz="6400" b="1" dirty="0">
+              <a:rPr lang="zh-CN" altLang="en-US" sz="6400" b="1" dirty="0" smtClean="0">
                 <a:solidFill>
                   <a:srgbClr val="660033"/>
                 </a:solidFill>
                 <a:latin typeface="微軟正黑體" pitchFamily="34" charset="-120"/>
                 <a:ea typeface="微軟正黑體" pitchFamily="34" charset="-120"/>
               </a:rPr>
-              <a:t>她</a:t>
+              <a:t>他的</a:t>
             </a:r>
             <a:r>
               <a:rPr lang="zh-CN" altLang="en-US" sz="6400" b="1" dirty="0">
@@ -3263,7 +3246,7 @@
                 <a:latin typeface="微軟正黑體" pitchFamily="34" charset="-120"/>
                 <a:ea typeface="微軟正黑體" pitchFamily="34" charset="-120"/>
               </a:rPr>
-              <a:t>的愛心似水長流</a:t>
+              <a:t>愛心似水長流</a:t>
             </a:r>
             <a:endParaRPr lang="en-US" altLang="zh-CN" sz="6400" b="1" dirty="0">
               <a:solidFill>
@@ -3437,24 +3420,44 @@
               <a:buNone/>
             </a:pPr>
             <a:r>
-              <a:rPr lang="en-US" sz="6400" b="1" dirty="0">
+              <a:rPr lang="zh-CN" altLang="en-US" sz="6400" b="1" dirty="0" smtClean="0">
                 <a:solidFill>
                   <a:srgbClr val="660033"/>
                 </a:solidFill>
                 <a:latin typeface="微軟正黑體" pitchFamily="34" charset="-120"/>
                 <a:ea typeface="微軟正黑體" pitchFamily="34" charset="-120"/>
               </a:rPr>
-              <a:t>OH </a:t>
-            </a:r>
-            <a:r>
-              <a:rPr lang="zh-CN" altLang="en-US" sz="6400" b="1" dirty="0">
+              <a:t>喔</a:t>
+            </a:r>
+            <a:r>
+              <a:rPr lang="en-US" altLang="zh-CN" sz="6400" b="1" dirty="0" smtClean="0">
                 <a:solidFill>
                   <a:srgbClr val="660033"/>
                 </a:solidFill>
                 <a:latin typeface="微軟正黑體" pitchFamily="34" charset="-120"/>
                 <a:ea typeface="微軟正黑體" pitchFamily="34" charset="-120"/>
               </a:rPr>
-              <a:t>媽咪多謝你</a:t>
+              <a:t>~~ </a:t>
+            </a:r>
+            <a:r>
+              <a:rPr lang="zh-CN" altLang="en-US" sz="6400" b="1" dirty="0" smtClean="0">
+                <a:solidFill>
+                  <a:srgbClr val="660033"/>
+                </a:solidFill>
+                <a:latin typeface="微軟正黑體" pitchFamily="34" charset="-120"/>
+                <a:ea typeface="微軟正黑體" pitchFamily="34" charset="-120"/>
+              </a:rPr>
+              <a:t>嗲地 多</a:t>
+            </a:r>
+            <a:r>
+              <a:rPr lang="zh-CN" altLang="en-US" sz="6400" b="1" dirty="0">
+                <a:solidFill>
+                  <a:srgbClr val="660033"/>
+                </a:solidFill>
+                <a:latin typeface="微軟正黑體" pitchFamily="34" charset="-120"/>
+                <a:ea typeface="微軟正黑體" pitchFamily="34" charset="-120"/>
+              </a:rPr>
+              <a:t>謝你</a:t>
             </a:r>
             <a:endParaRPr lang="vi-VN" sz="6400" b="1" dirty="0">
               <a:solidFill>
@@ -3584,14 +3587,24 @@
               <a:buNone/>
             </a:pPr>
             <a:r>
-              <a:rPr lang="zh-CN" altLang="en-US" sz="6400" b="1" dirty="0">
+              <a:rPr lang="zh-CN" altLang="en-US" sz="6400" b="1" dirty="0" smtClean="0">
                 <a:solidFill>
                   <a:srgbClr val="660033"/>
                 </a:solidFill>
                 <a:latin typeface="微軟正黑體" pitchFamily="34" charset="-120"/>
                 <a:ea typeface="微軟正黑體" pitchFamily="34" charset="-120"/>
               </a:rPr>
-              <a:t>他工作不會多停留</a:t>
+              <a:t>她工</a:t>
+            </a:r>
+            <a:r>
+              <a:rPr lang="zh-CN" altLang="en-US" sz="6400" b="1" dirty="0">
+                <a:solidFill>
+                  <a:srgbClr val="660033"/>
+                </a:solidFill>
+                <a:latin typeface="微軟正黑體" pitchFamily="34" charset="-120"/>
+                <a:ea typeface="微軟正黑體" pitchFamily="34" charset="-120"/>
+              </a:rPr>
+              <a:t>作不會多停留</a:t>
             </a:r>
             <a:endParaRPr lang="en-US" altLang="zh-CN" sz="6400" b="1" dirty="0">
               <a:solidFill>
@@ -3765,24 +3778,44 @@
               <a:buNone/>
             </a:pPr>
             <a:r>
-              <a:rPr lang="en-US" sz="6400" b="1" dirty="0">
+              <a:rPr lang="zh-CN" altLang="en-US" sz="6400" b="1" dirty="0">
                 <a:solidFill>
                   <a:srgbClr val="660033"/>
                 </a:solidFill>
                 <a:latin typeface="微軟正黑體" pitchFamily="34" charset="-120"/>
                 <a:ea typeface="微軟正黑體" pitchFamily="34" charset="-120"/>
               </a:rPr>
-              <a:t>OH </a:t>
-            </a:r>
-            <a:r>
-              <a:rPr lang="zh-CN" altLang="en-US" sz="6400" b="1" dirty="0">
+              <a:t>喔</a:t>
+            </a:r>
+            <a:r>
+              <a:rPr lang="en-US" altLang="zh-CN" sz="6400" b="1" dirty="0" smtClean="0">
                 <a:solidFill>
                   <a:srgbClr val="660033"/>
                 </a:solidFill>
                 <a:latin typeface="微軟正黑體" pitchFamily="34" charset="-120"/>
                 <a:ea typeface="微軟正黑體" pitchFamily="34" charset="-120"/>
               </a:rPr>
-              <a:t>嗲地多謝你</a:t>
+              <a:t>~~ </a:t>
+            </a:r>
+            <a:r>
+              <a:rPr lang="zh-CN" altLang="en-US" sz="6400" b="1" dirty="0" smtClean="0">
+                <a:solidFill>
+                  <a:srgbClr val="660033"/>
+                </a:solidFill>
+                <a:latin typeface="微軟正黑體" pitchFamily="34" charset="-120"/>
+                <a:ea typeface="微軟正黑體" pitchFamily="34" charset="-120"/>
+              </a:rPr>
+              <a:t>媽咪 多</a:t>
+            </a:r>
+            <a:r>
+              <a:rPr lang="zh-CN" altLang="en-US" sz="6400" b="1" dirty="0" smtClean="0">
+                <a:solidFill>
+                  <a:srgbClr val="660033"/>
+                </a:solidFill>
+                <a:latin typeface="微軟正黑體" pitchFamily="34" charset="-120"/>
+                <a:ea typeface="微軟正黑體" pitchFamily="34" charset="-120"/>
+              </a:rPr>
+              <a:t>謝妳</a:t>
             </a:r>
             <a:endParaRPr lang="vi-VN" sz="6400" b="1" dirty="0">
               <a:solidFill>
